--- a/Phase3/Group10_Phase3_Presentation.pptx
+++ b/Phase3/Group10_Phase3_Presentation.pptx
@@ -5751,7 +5751,7 @@
           <a:p>
             <a:pPr/>
             <a:r>
-              <a:t>OVERVIEW OF THE MODELING PIPELINES</a:t>
+              <a:t>Feature Engineering</a:t>
             </a:r>
           </a:p>
         </p:txBody>
@@ -5764,8 +5764,8 @@
         </p:nvSpPr>
         <p:spPr>
           <a:xfrm>
-            <a:off x="99828" y="663316"/>
-            <a:ext cx="5048211" cy="1822474"/>
+            <a:off x="155738" y="778571"/>
+            <a:ext cx="4860040" cy="3291745"/>
           </a:xfrm>
           <a:prstGeom prst="rect">
             <a:avLst/>
@@ -5785,13 +5785,13 @@
           </a:bodyPr>
           <a:lstStyle/>
           <a:p>
-            <a:pPr marL="341696" indent="-341696" defTabSz="649223">
+            <a:pPr marL="293570" indent="-293570" defTabSz="557784">
               <a:lnSpc>
                 <a:spcPct val="90000"/>
               </a:lnSpc>
               <a:buSzPct val="100000"/>
               <a:buChar char="•"/>
-              <a:defRPr cap="all" sz="1703">
+              <a:defRPr cap="all" sz="1464">
                 <a:latin typeface="Copperplate"/>
                 <a:ea typeface="Copperplate"/>
                 <a:cs typeface="Copperplate"/>
@@ -5799,19 +5799,30 @@
               </a:defRPr>
             </a:pPr>
             <a:r>
-              <a:t>THE PIPELINE CONSISTED OF A CATEGORICAL and NUMERICAL pipeline</a:t>
-            </a:r>
-            <a:br/>
-            <a:br/>
-          </a:p>
-          <a:p>
-            <a:pPr marL="341696" indent="-341696" defTabSz="649223">
+              <a:t>This class reduces features by measuring collinearity between the input variables and target.</a:t>
+            </a:r>
+          </a:p>
+          <a:p>
+            <a:pPr defTabSz="557784">
+              <a:lnSpc>
+                <a:spcPct val="90000"/>
+              </a:lnSpc>
+              <a:defRPr cap="all" sz="1464">
+                <a:latin typeface="Copperplate"/>
+                <a:ea typeface="Copperplate"/>
+                <a:cs typeface="Copperplate"/>
+                <a:sym typeface="Copperplate"/>
+              </a:defRPr>
+            </a:pPr>
+          </a:p>
+          <a:p>
+            <a:pPr marL="293570" indent="-293570" defTabSz="557784">
               <a:lnSpc>
                 <a:spcPct val="90000"/>
               </a:lnSpc>
               <a:buSzPct val="100000"/>
               <a:buChar char="•"/>
-              <a:defRPr cap="all" sz="1703">
+              <a:defRPr cap="all" sz="1464">
                 <a:latin typeface="Copperplate"/>
                 <a:ea typeface="Copperplate"/>
                 <a:cs typeface="Copperplate"/>
@@ -5819,48 +5830,30 @@
               </a:defRPr>
             </a:pPr>
             <a:r>
-              <a:t>They were both combined into one pipeline and Grid Search Was performed on those PIPElines</a:t>
-            </a:r>
-            <a:br/>
-          </a:p>
-        </p:txBody>
-      </p:sp>
-      <p:sp>
-        <p:nvSpPr>
-          <p:cNvPr id="193" name="Title 3"/>
-          <p:cNvSpPr txBox="1"/>
-          <p:nvPr/>
-        </p:nvSpPr>
-        <p:spPr>
-          <a:xfrm>
-            <a:off x="155738" y="2517763"/>
-            <a:ext cx="4936392" cy="1822474"/>
-          </a:xfrm>
-          <a:prstGeom prst="rect">
-            <a:avLst/>
-          </a:prstGeom>
-          <a:ln w="12700">
-            <a:miter lim="400000"/>
-          </a:ln>
-          <a:extLst>
-            <a:ext uri="{C572A759-6A51-4108-AA02-DFA0A04FC94B}">
-              <ma14:wrappingTextBoxFlag xmlns:ma14="http://schemas.microsoft.com/office/mac/drawingml/2011/main" val="1"/>
-            </a:ext>
-          </a:extLst>
-        </p:spPr>
-        <p:txBody>
-          <a:bodyPr lIns="45718" tIns="45718" rIns="45718" bIns="45718">
-            <a:normAutofit fontScale="100000" lnSpcReduction="0"/>
-          </a:bodyPr>
-          <a:lstStyle/>
-          <a:p>
-            <a:pPr marL="360947" indent="-360947" defTabSz="685800">
+              <a:t>Works on numerical features based on the correlations between each variable pair.</a:t>
+            </a:r>
+          </a:p>
+          <a:p>
+            <a:pPr defTabSz="557784">
+              <a:lnSpc>
+                <a:spcPct val="90000"/>
+              </a:lnSpc>
+              <a:defRPr cap="all" sz="1464">
+                <a:latin typeface="Copperplate"/>
+                <a:ea typeface="Copperplate"/>
+                <a:cs typeface="Copperplate"/>
+                <a:sym typeface="Copperplate"/>
+              </a:defRPr>
+            </a:pPr>
+          </a:p>
+          <a:p>
+            <a:pPr marL="293570" indent="-293570" defTabSz="557784">
               <a:lnSpc>
                 <a:spcPct val="90000"/>
               </a:lnSpc>
               <a:buSzPct val="100000"/>
               <a:buChar char="•"/>
-              <a:defRPr cap="all">
+              <a:defRPr cap="all" sz="1464">
                 <a:latin typeface="Copperplate"/>
                 <a:ea typeface="Copperplate"/>
                 <a:cs typeface="Copperplate"/>
@@ -5868,18 +5861,30 @@
               </a:defRPr>
             </a:pPr>
             <a:r>
-              <a:t>Using Logistic Regression The Model was tuned using hyperParameters C, Solver, and penalty.</a:t>
-            </a:r>
-            <a:br/>
-          </a:p>
-          <a:p>
-            <a:pPr marL="360947" indent="-360947" defTabSz="685800">
+              <a:t>Of the variable pairs with absolute correlations above the threshold value......the variables with the lowest target variable correlation are dropped from the input X.</a:t>
+            </a:r>
+          </a:p>
+          <a:p>
+            <a:pPr defTabSz="557784">
+              <a:lnSpc>
+                <a:spcPct val="90000"/>
+              </a:lnSpc>
+              <a:defRPr cap="all" sz="1464">
+                <a:latin typeface="Copperplate"/>
+                <a:ea typeface="Copperplate"/>
+                <a:cs typeface="Copperplate"/>
+                <a:sym typeface="Copperplate"/>
+              </a:defRPr>
+            </a:pPr>
+          </a:p>
+          <a:p>
+            <a:pPr marL="293570" indent="-293570" defTabSz="557784">
               <a:lnSpc>
                 <a:spcPct val="90000"/>
               </a:lnSpc>
               <a:buSzPct val="100000"/>
               <a:buChar char="•"/>
-              <a:defRPr cap="all">
+              <a:defRPr cap="all" sz="1464">
                 <a:latin typeface="Copperplate"/>
                 <a:ea typeface="Copperplate"/>
                 <a:cs typeface="Copperplate"/>
@@ -5887,14 +5892,14 @@
               </a:defRPr>
             </a:pPr>
             <a:r>
-              <a:t>The best Hyper Parameters were found to be:</a:t>
+              <a:t>The process is repeated until there are no more colinear pairs with absolute correlations above the threshold.</a:t>
             </a:r>
           </a:p>
         </p:txBody>
       </p:sp>
       <p:pic>
         <p:nvPicPr>
-          <p:cNvPr id="194" name="Image" descr="Image"/>
+          <p:cNvPr id="193" name="Image" descr="Image"/>
           <p:cNvPicPr>
             <a:picLocks noChangeAspect="1"/>
           </p:cNvPicPr>
@@ -5910,8 +5915,8 @@
         </p:blipFill>
         <p:spPr>
           <a:xfrm>
-            <a:off x="7129471" y="750972"/>
-            <a:ext cx="4936392" cy="5958851"/>
+            <a:off x="7015304" y="629262"/>
+            <a:ext cx="3668827" cy="2868462"/>
           </a:xfrm>
           <a:prstGeom prst="rect">
             <a:avLst/>
@@ -5923,7 +5928,7 @@
       </p:pic>
       <p:pic>
         <p:nvPicPr>
-          <p:cNvPr id="195" name="Image" descr="Image"/>
+          <p:cNvPr id="194" name="Image" descr="Image"/>
           <p:cNvPicPr>
             <a:picLocks noChangeAspect="1"/>
           </p:cNvPicPr>
@@ -5939,8 +5944,8 @@
         </p:blipFill>
         <p:spPr>
           <a:xfrm>
-            <a:off x="218547" y="4272459"/>
-            <a:ext cx="6375147" cy="2271605"/>
+            <a:off x="7003277" y="4112095"/>
+            <a:ext cx="3925515" cy="2343138"/>
           </a:xfrm>
           <a:prstGeom prst="rect">
             <a:avLst/>
@@ -5950,6 +5955,153 @@
           </a:ln>
         </p:spPr>
       </p:pic>
+      <p:sp>
+        <p:nvSpPr>
+          <p:cNvPr id="195" name="Title 3"/>
+          <p:cNvSpPr txBox="1"/>
+          <p:nvPr/>
+        </p:nvSpPr>
+        <p:spPr>
+          <a:xfrm>
+            <a:off x="281221" y="4344710"/>
+            <a:ext cx="4384824" cy="2421666"/>
+          </a:xfrm>
+          <a:prstGeom prst="rect">
+            <a:avLst/>
+          </a:prstGeom>
+          <a:ln w="12700">
+            <a:miter lim="400000"/>
+          </a:ln>
+          <a:extLst>
+            <a:ext uri="{C572A759-6A51-4108-AA02-DFA0A04FC94B}">
+              <ma14:wrappingTextBoxFlag xmlns:ma14="http://schemas.microsoft.com/office/mac/drawingml/2011/main" val="1"/>
+            </a:ext>
+          </a:extLst>
+        </p:spPr>
+        <p:txBody>
+          <a:bodyPr lIns="45718" tIns="45718" rIns="45718" bIns="45718">
+            <a:normAutofit fontScale="100000" lnSpcReduction="0"/>
+          </a:bodyPr>
+          <a:lstStyle/>
+          <a:p>
+            <a:pPr marL="385010" indent="-385010" defTabSz="731520">
+              <a:lnSpc>
+                <a:spcPct val="90000"/>
+              </a:lnSpc>
+              <a:buSzPct val="100000"/>
+              <a:buChar char="•"/>
+              <a:defRPr cap="all" sz="1920">
+                <a:latin typeface="Copperplate"/>
+                <a:ea typeface="Copperplate"/>
+                <a:cs typeface="Copperplate"/>
+                <a:sym typeface="Copperplate"/>
+              </a:defRPr>
+            </a:pPr>
+            <a:r>
+              <a:t>The figure in the right shows the EDA and Feature Engineering for The POS Cash Balance Table.</a:t>
+            </a:r>
+          </a:p>
+          <a:p>
+            <a:pPr defTabSz="731520">
+              <a:lnSpc>
+                <a:spcPct val="90000"/>
+              </a:lnSpc>
+              <a:defRPr cap="all" sz="1920">
+                <a:latin typeface="Copperplate"/>
+                <a:ea typeface="Copperplate"/>
+                <a:cs typeface="Copperplate"/>
+                <a:sym typeface="Copperplate"/>
+              </a:defRPr>
+            </a:pPr>
+          </a:p>
+          <a:p>
+            <a:pPr marL="385010" indent="-385010" defTabSz="731520">
+              <a:lnSpc>
+                <a:spcPct val="90000"/>
+              </a:lnSpc>
+              <a:buSzPct val="100000"/>
+              <a:buChar char="•"/>
+              <a:defRPr cap="all" sz="1920">
+                <a:latin typeface="Copperplate"/>
+                <a:ea typeface="Copperplate"/>
+                <a:cs typeface="Copperplate"/>
+                <a:sym typeface="Copperplate"/>
+              </a:defRPr>
+            </a:pPr>
+            <a:r>
+              <a:t>Features Were Engineered and some log transformed based on distribution </a:t>
+            </a:r>
+          </a:p>
+        </p:txBody>
+      </p:sp>
+      <p:sp>
+        <p:nvSpPr>
+          <p:cNvPr id="196" name="Arrow"/>
+          <p:cNvSpPr/>
+          <p:nvPr/>
+        </p:nvSpPr>
+        <p:spPr>
+          <a:xfrm>
+            <a:off x="5380540" y="1428492"/>
+            <a:ext cx="1270001" cy="1270001"/>
+          </a:xfrm>
+          <a:prstGeom prst="rightArrow">
+            <a:avLst>
+              <a:gd name="adj1" fmla="val 32000"/>
+              <a:gd name="adj2" fmla="val 64000"/>
+            </a:avLst>
+          </a:prstGeom>
+          <a:solidFill>
+            <a:srgbClr val="000000"/>
+          </a:solidFill>
+          <a:ln w="25400">
+            <a:solidFill>
+              <a:schemeClr val="accent1"/>
+            </a:solidFill>
+          </a:ln>
+        </p:spPr>
+        <p:txBody>
+          <a:bodyPr lIns="45718" tIns="45718" rIns="45718" bIns="45718" anchor="ctr"/>
+          <a:lstStyle/>
+          <a:p>
+            <a:pPr/>
+          </a:p>
+        </p:txBody>
+      </p:sp>
+      <p:sp>
+        <p:nvSpPr>
+          <p:cNvPr id="197" name="Arrow"/>
+          <p:cNvSpPr/>
+          <p:nvPr/>
+        </p:nvSpPr>
+        <p:spPr>
+          <a:xfrm>
+            <a:off x="5380540" y="4760196"/>
+            <a:ext cx="1270001" cy="1270001"/>
+          </a:xfrm>
+          <a:prstGeom prst="rightArrow">
+            <a:avLst>
+              <a:gd name="adj1" fmla="val 32000"/>
+              <a:gd name="adj2" fmla="val 64000"/>
+            </a:avLst>
+          </a:prstGeom>
+          <a:solidFill>
+            <a:srgbClr val="000000"/>
+          </a:solidFill>
+          <a:ln w="25400">
+            <a:solidFill>
+              <a:schemeClr val="accent1"/>
+            </a:solidFill>
+          </a:ln>
+        </p:spPr>
+        <p:txBody>
+          <a:bodyPr lIns="45718" tIns="45718" rIns="45718" bIns="45718" anchor="ctr"/>
+          <a:lstStyle/>
+          <a:p>
+            <a:pPr/>
+          </a:p>
+        </p:txBody>
+      </p:sp>
     </p:spTree>
   </p:cSld>
   <p:clrMapOvr>
@@ -5978,7 +6130,7 @@
       </p:grpSpPr>
       <p:pic>
         <p:nvPicPr>
-          <p:cNvPr id="197" name="Image" descr="Image"/>
+          <p:cNvPr id="199" name="Image" descr="Image"/>
           <p:cNvPicPr>
             <a:picLocks noChangeAspect="1"/>
           </p:cNvPicPr>
@@ -6007,7 +6159,7 @@
       </p:pic>
       <p:sp>
         <p:nvSpPr>
-          <p:cNvPr id="198" name="Title 3"/>
+          <p:cNvPr id="200" name="Title 3"/>
           <p:cNvSpPr txBox="1"/>
           <p:nvPr>
             <p:ph type="title"/>
@@ -6015,7 +6167,7 @@
         </p:nvSpPr>
         <p:spPr>
           <a:xfrm>
-            <a:off x="1683890" y="-13242"/>
+            <a:off x="703098" y="-13242"/>
             <a:ext cx="12339535" cy="735758"/>
           </a:xfrm>
           <a:prstGeom prst="rect">
@@ -6043,21 +6195,21 @@
           <a:p>
             <a:pPr/>
             <a:r>
-              <a:t>Feature Engineering</a:t>
-            </a:r>
-          </a:p>
-        </p:txBody>
-      </p:sp>
-      <p:sp>
-        <p:nvSpPr>
-          <p:cNvPr id="199" name="Title 3"/>
+              <a:t>OVERVIEW OF THE MODELING PIPELINES: one Example</a:t>
+            </a:r>
+          </a:p>
+        </p:txBody>
+      </p:sp>
+      <p:sp>
+        <p:nvSpPr>
+          <p:cNvPr id="201" name="Title 3"/>
           <p:cNvSpPr txBox="1"/>
           <p:nvPr/>
         </p:nvSpPr>
         <p:spPr>
           <a:xfrm>
-            <a:off x="155738" y="778571"/>
-            <a:ext cx="4860040" cy="3291745"/>
+            <a:off x="99828" y="663316"/>
+            <a:ext cx="5048211" cy="1822474"/>
           </a:xfrm>
           <a:prstGeom prst="rect">
             <a:avLst/>
@@ -6077,13 +6229,13 @@
           </a:bodyPr>
           <a:lstStyle/>
           <a:p>
-            <a:pPr marL="293570" indent="-293570" defTabSz="557784">
+            <a:pPr marL="341696" indent="-341696" defTabSz="649223">
               <a:lnSpc>
                 <a:spcPct val="90000"/>
               </a:lnSpc>
               <a:buSzPct val="100000"/>
               <a:buChar char="•"/>
-              <a:defRPr cap="all" sz="1464">
+              <a:defRPr cap="all" sz="1703">
                 <a:latin typeface="Copperplate"/>
                 <a:ea typeface="Copperplate"/>
                 <a:cs typeface="Copperplate"/>
@@ -6091,30 +6243,19 @@
               </a:defRPr>
             </a:pPr>
             <a:r>
-              <a:t>This class reduces features by measuring collinearity between the input variables and target.</a:t>
-            </a:r>
-          </a:p>
-          <a:p>
-            <a:pPr defTabSz="557784">
-              <a:lnSpc>
-                <a:spcPct val="90000"/>
-              </a:lnSpc>
-              <a:defRPr cap="all" sz="1464">
-                <a:latin typeface="Copperplate"/>
-                <a:ea typeface="Copperplate"/>
-                <a:cs typeface="Copperplate"/>
-                <a:sym typeface="Copperplate"/>
-              </a:defRPr>
-            </a:pPr>
-          </a:p>
-          <a:p>
-            <a:pPr marL="293570" indent="-293570" defTabSz="557784">
+              <a:t>THE Main PIPELINE CONSISTED OF A CATEGORICAL and NUMERICAL pipeline</a:t>
+            </a:r>
+            <a:br/>
+            <a:br/>
+          </a:p>
+          <a:p>
+            <a:pPr marL="341696" indent="-341696" defTabSz="649223">
               <a:lnSpc>
                 <a:spcPct val="90000"/>
               </a:lnSpc>
               <a:buSzPct val="100000"/>
               <a:buChar char="•"/>
-              <a:defRPr cap="all" sz="1464">
+              <a:defRPr cap="all" sz="1703">
                 <a:latin typeface="Copperplate"/>
                 <a:ea typeface="Copperplate"/>
                 <a:cs typeface="Copperplate"/>
@@ -6122,30 +6263,48 @@
               </a:defRPr>
             </a:pPr>
             <a:r>
-              <a:t>Works on numerical features based on the correlations between each variable pair.</a:t>
-            </a:r>
-          </a:p>
-          <a:p>
-            <a:pPr defTabSz="557784">
-              <a:lnSpc>
-                <a:spcPct val="90000"/>
-              </a:lnSpc>
-              <a:defRPr cap="all" sz="1464">
-                <a:latin typeface="Copperplate"/>
-                <a:ea typeface="Copperplate"/>
-                <a:cs typeface="Copperplate"/>
-                <a:sym typeface="Copperplate"/>
-              </a:defRPr>
-            </a:pPr>
-          </a:p>
-          <a:p>
-            <a:pPr marL="293570" indent="-293570" defTabSz="557784">
+              <a:t>They were both combined into one pipeline and Grid Search Was performed on those PIPElines</a:t>
+            </a:r>
+            <a:br/>
+          </a:p>
+        </p:txBody>
+      </p:sp>
+      <p:sp>
+        <p:nvSpPr>
+          <p:cNvPr id="202" name="Title 3"/>
+          <p:cNvSpPr txBox="1"/>
+          <p:nvPr/>
+        </p:nvSpPr>
+        <p:spPr>
+          <a:xfrm>
+            <a:off x="155738" y="2517763"/>
+            <a:ext cx="4936392" cy="1822474"/>
+          </a:xfrm>
+          <a:prstGeom prst="rect">
+            <a:avLst/>
+          </a:prstGeom>
+          <a:ln w="12700">
+            <a:miter lim="400000"/>
+          </a:ln>
+          <a:extLst>
+            <a:ext uri="{C572A759-6A51-4108-AA02-DFA0A04FC94B}">
+              <ma14:wrappingTextBoxFlag xmlns:ma14="http://schemas.microsoft.com/office/mac/drawingml/2011/main" val="1"/>
+            </a:ext>
+          </a:extLst>
+        </p:spPr>
+        <p:txBody>
+          <a:bodyPr lIns="45718" tIns="45718" rIns="45718" bIns="45718">
+            <a:normAutofit fontScale="100000" lnSpcReduction="0"/>
+          </a:bodyPr>
+          <a:lstStyle/>
+          <a:p>
+            <a:pPr marL="360947" indent="-360947" defTabSz="685800">
               <a:lnSpc>
                 <a:spcPct val="90000"/>
               </a:lnSpc>
               <a:buSzPct val="100000"/>
               <a:buChar char="•"/>
-              <a:defRPr cap="all" sz="1464">
+              <a:defRPr cap="all">
                 <a:latin typeface="Copperplate"/>
                 <a:ea typeface="Copperplate"/>
                 <a:cs typeface="Copperplate"/>
@@ -6153,30 +6312,18 @@
               </a:defRPr>
             </a:pPr>
             <a:r>
-              <a:t>Of the variable pairs with absolute correlations above the threshold value......the variables with the lowest target variable correlation are dropped from the input X.</a:t>
-            </a:r>
-          </a:p>
-          <a:p>
-            <a:pPr defTabSz="557784">
-              <a:lnSpc>
-                <a:spcPct val="90000"/>
-              </a:lnSpc>
-              <a:defRPr cap="all" sz="1464">
-                <a:latin typeface="Copperplate"/>
-                <a:ea typeface="Copperplate"/>
-                <a:cs typeface="Copperplate"/>
-                <a:sym typeface="Copperplate"/>
-              </a:defRPr>
-            </a:pPr>
-          </a:p>
-          <a:p>
-            <a:pPr marL="293570" indent="-293570" defTabSz="557784">
+              <a:t>Using Eg. Logistic Regression The Model was tuned using hyperParameters C, Solver, and penalty.</a:t>
+            </a:r>
+            <a:br/>
+          </a:p>
+          <a:p>
+            <a:pPr marL="360947" indent="-360947" defTabSz="685800">
               <a:lnSpc>
                 <a:spcPct val="90000"/>
               </a:lnSpc>
               <a:buSzPct val="100000"/>
               <a:buChar char="•"/>
-              <a:defRPr cap="all" sz="1464">
+              <a:defRPr cap="all">
                 <a:latin typeface="Copperplate"/>
                 <a:ea typeface="Copperplate"/>
                 <a:cs typeface="Copperplate"/>
@@ -6184,14 +6331,14 @@
               </a:defRPr>
             </a:pPr>
             <a:r>
-              <a:t>The process is repeated until there are no more colinear pairs with absolute correlations above the threshold.</a:t>
+              <a:t>The best Hyper Parameters were found to be:</a:t>
             </a:r>
           </a:p>
         </p:txBody>
       </p:sp>
       <p:pic>
         <p:nvPicPr>
-          <p:cNvPr id="200" name="Image" descr="Image"/>
+          <p:cNvPr id="203" name="Image" descr="Image"/>
           <p:cNvPicPr>
             <a:picLocks noChangeAspect="1"/>
           </p:cNvPicPr>
@@ -6207,8 +6354,8 @@
         </p:blipFill>
         <p:spPr>
           <a:xfrm>
-            <a:off x="7015304" y="629262"/>
-            <a:ext cx="3668827" cy="2868462"/>
+            <a:off x="7129471" y="750972"/>
+            <a:ext cx="4936392" cy="5958851"/>
           </a:xfrm>
           <a:prstGeom prst="rect">
             <a:avLst/>
@@ -6220,7 +6367,7 @@
       </p:pic>
       <p:pic>
         <p:nvPicPr>
-          <p:cNvPr id="201" name="Image" descr="Image"/>
+          <p:cNvPr id="204" name="Image" descr="Image"/>
           <p:cNvPicPr>
             <a:picLocks noChangeAspect="1"/>
           </p:cNvPicPr>
@@ -6236,8 +6383,8 @@
         </p:blipFill>
         <p:spPr>
           <a:xfrm>
-            <a:off x="7003277" y="4112095"/>
-            <a:ext cx="3925515" cy="2343138"/>
+            <a:off x="218547" y="4272459"/>
+            <a:ext cx="6375147" cy="2271605"/>
           </a:xfrm>
           <a:prstGeom prst="rect">
             <a:avLst/>
@@ -6247,153 +6394,6 @@
           </a:ln>
         </p:spPr>
       </p:pic>
-      <p:sp>
-        <p:nvSpPr>
-          <p:cNvPr id="202" name="Title 3"/>
-          <p:cNvSpPr txBox="1"/>
-          <p:nvPr/>
-        </p:nvSpPr>
-        <p:spPr>
-          <a:xfrm>
-            <a:off x="281221" y="4344710"/>
-            <a:ext cx="4384824" cy="2421666"/>
-          </a:xfrm>
-          <a:prstGeom prst="rect">
-            <a:avLst/>
-          </a:prstGeom>
-          <a:ln w="12700">
-            <a:miter lim="400000"/>
-          </a:ln>
-          <a:extLst>
-            <a:ext uri="{C572A759-6A51-4108-AA02-DFA0A04FC94B}">
-              <ma14:wrappingTextBoxFlag xmlns:ma14="http://schemas.microsoft.com/office/mac/drawingml/2011/main" val="1"/>
-            </a:ext>
-          </a:extLst>
-        </p:spPr>
-        <p:txBody>
-          <a:bodyPr lIns="45718" tIns="45718" rIns="45718" bIns="45718">
-            <a:normAutofit fontScale="100000" lnSpcReduction="0"/>
-          </a:bodyPr>
-          <a:lstStyle/>
-          <a:p>
-            <a:pPr marL="385010" indent="-385010" defTabSz="731520">
-              <a:lnSpc>
-                <a:spcPct val="90000"/>
-              </a:lnSpc>
-              <a:buSzPct val="100000"/>
-              <a:buChar char="•"/>
-              <a:defRPr cap="all" sz="1920">
-                <a:latin typeface="Copperplate"/>
-                <a:ea typeface="Copperplate"/>
-                <a:cs typeface="Copperplate"/>
-                <a:sym typeface="Copperplate"/>
-              </a:defRPr>
-            </a:pPr>
-            <a:r>
-              <a:t>The figure in the right shows the EDA and Feature Engineering for The POS Cash Balance Table.</a:t>
-            </a:r>
-          </a:p>
-          <a:p>
-            <a:pPr defTabSz="731520">
-              <a:lnSpc>
-                <a:spcPct val="90000"/>
-              </a:lnSpc>
-              <a:defRPr cap="all" sz="1920">
-                <a:latin typeface="Copperplate"/>
-                <a:ea typeface="Copperplate"/>
-                <a:cs typeface="Copperplate"/>
-                <a:sym typeface="Copperplate"/>
-              </a:defRPr>
-            </a:pPr>
-          </a:p>
-          <a:p>
-            <a:pPr marL="385010" indent="-385010" defTabSz="731520">
-              <a:lnSpc>
-                <a:spcPct val="90000"/>
-              </a:lnSpc>
-              <a:buSzPct val="100000"/>
-              <a:buChar char="•"/>
-              <a:defRPr cap="all" sz="1920">
-                <a:latin typeface="Copperplate"/>
-                <a:ea typeface="Copperplate"/>
-                <a:cs typeface="Copperplate"/>
-                <a:sym typeface="Copperplate"/>
-              </a:defRPr>
-            </a:pPr>
-            <a:r>
-              <a:t>Features Were Engineered and some log transformed based on distribution </a:t>
-            </a:r>
-          </a:p>
-        </p:txBody>
-      </p:sp>
-      <p:sp>
-        <p:nvSpPr>
-          <p:cNvPr id="203" name="Arrow"/>
-          <p:cNvSpPr/>
-          <p:nvPr/>
-        </p:nvSpPr>
-        <p:spPr>
-          <a:xfrm>
-            <a:off x="5380540" y="1428492"/>
-            <a:ext cx="1270001" cy="1270001"/>
-          </a:xfrm>
-          <a:prstGeom prst="rightArrow">
-            <a:avLst>
-              <a:gd name="adj1" fmla="val 32000"/>
-              <a:gd name="adj2" fmla="val 64000"/>
-            </a:avLst>
-          </a:prstGeom>
-          <a:solidFill>
-            <a:srgbClr val="000000"/>
-          </a:solidFill>
-          <a:ln w="25400">
-            <a:solidFill>
-              <a:schemeClr val="accent1"/>
-            </a:solidFill>
-          </a:ln>
-        </p:spPr>
-        <p:txBody>
-          <a:bodyPr lIns="45718" tIns="45718" rIns="45718" bIns="45718" anchor="ctr"/>
-          <a:lstStyle/>
-          <a:p>
-            <a:pPr/>
-          </a:p>
-        </p:txBody>
-      </p:sp>
-      <p:sp>
-        <p:nvSpPr>
-          <p:cNvPr id="204" name="Arrow"/>
-          <p:cNvSpPr/>
-          <p:nvPr/>
-        </p:nvSpPr>
-        <p:spPr>
-          <a:xfrm>
-            <a:off x="5380540" y="4760196"/>
-            <a:ext cx="1270001" cy="1270001"/>
-          </a:xfrm>
-          <a:prstGeom prst="rightArrow">
-            <a:avLst>
-              <a:gd name="adj1" fmla="val 32000"/>
-              <a:gd name="adj2" fmla="val 64000"/>
-            </a:avLst>
-          </a:prstGeom>
-          <a:solidFill>
-            <a:srgbClr val="000000"/>
-          </a:solidFill>
-          <a:ln w="25400">
-            <a:solidFill>
-              <a:schemeClr val="accent1"/>
-            </a:solidFill>
-          </a:ln>
-        </p:spPr>
-        <p:txBody>
-          <a:bodyPr lIns="45718" tIns="45718" rIns="45718" bIns="45718" anchor="ctr"/>
-          <a:lstStyle/>
-          <a:p>
-            <a:pPr/>
-          </a:p>
-        </p:txBody>
-      </p:sp>
     </p:spTree>
   </p:cSld>
   <p:clrMapOvr>

--- a/Phase3/Group10_Phase3_Presentation.pptx
+++ b/Phase3/Group10_Phase3_Presentation.pptx
@@ -13,9 +13,6 @@
     <p:sldId id="258" r:id="rId10"/>
     <p:sldId id="259" r:id="rId11"/>
     <p:sldId id="260" r:id="rId12"/>
-    <p:sldId id="261" r:id="rId13"/>
-    <p:sldId id="262" r:id="rId14"/>
-    <p:sldId id="263" r:id="rId15"/>
   </p:sldIdLst>
   <p:sldSz cx="12192000" cy="6858000"/>
   <p:notesSz cx="6858000" cy="9144000"/>
@@ -4767,8 +4764,8 @@
         </p:nvSpPr>
         <p:spPr>
           <a:xfrm>
-            <a:off x="7367025" y="1078396"/>
-            <a:ext cx="5896636" cy="5798727"/>
+            <a:off x="6171441" y="960314"/>
+            <a:ext cx="6995990" cy="1614674"/>
           </a:xfrm>
           <a:prstGeom prst="rect">
             <a:avLst/>
@@ -4778,13 +4775,13 @@
           <a:bodyPr anchor="t"/>
           <a:lstStyle/>
           <a:p>
-            <a:pPr marL="256272" indent="-256272" defTabSz="649223">
+            <a:pPr marL="128136" indent="-128136" defTabSz="324611">
               <a:lnSpc>
-                <a:spcPts val="3200"/>
+                <a:spcPts val="1600"/>
               </a:lnSpc>
               <a:buSzPct val="100000"/>
               <a:buChar char="•"/>
-              <a:defRPr sz="3500">
+              <a:defRPr sz="1750">
                 <a:latin typeface="Copperplate"/>
                 <a:ea typeface="Copperplate"/>
                 <a:cs typeface="Copperplate"/>
@@ -4793,11 +4790,11 @@
             </a:pPr>
           </a:p>
           <a:p>
-            <a:pPr marL="256272" indent="-256272" defTabSz="649223">
+            <a:pPr marL="128136" indent="-128136" defTabSz="324611">
               <a:lnSpc>
-                <a:spcPts val="3200"/>
+                <a:spcPts val="1600"/>
               </a:lnSpc>
-              <a:defRPr sz="3500">
+              <a:defRPr sz="1750">
                 <a:latin typeface="Copperplate"/>
                 <a:ea typeface="Copperplate"/>
                 <a:cs typeface="Copperplate"/>
@@ -4805,16 +4802,16 @@
               </a:defRPr>
             </a:pPr>
             <a:r>
-              <a:t>Group Number 10</a:t>
+              <a:t>Group Number 10 Phase 3</a:t>
             </a:r>
             <a:br/>
           </a:p>
           <a:p>
-            <a:pPr defTabSz="649223">
+            <a:pPr defTabSz="324611">
               <a:lnSpc>
                 <a:spcPct val="100000"/>
               </a:lnSpc>
-              <a:defRPr cap="none" sz="3500">
+              <a:defRPr cap="none" sz="1750">
                 <a:latin typeface="Copperplate"/>
                 <a:ea typeface="Copperplate"/>
                 <a:cs typeface="Copperplate"/>
@@ -4853,11 +4850,11 @@
             </a:endParaRPr>
           </a:p>
           <a:p>
-            <a:pPr defTabSz="649223">
+            <a:pPr defTabSz="324611">
               <a:lnSpc>
                 <a:spcPct val="100000"/>
               </a:lnSpc>
-              <a:defRPr cap="none" sz="3500">
+              <a:defRPr cap="none" sz="1750">
                 <a:latin typeface="Copperplate"/>
                 <a:ea typeface="Copperplate"/>
                 <a:cs typeface="Copperplate"/>
@@ -4896,11 +4893,11 @@
             </a:endParaRPr>
           </a:p>
           <a:p>
-            <a:pPr defTabSz="649223">
+            <a:pPr defTabSz="324611">
               <a:lnSpc>
                 <a:spcPct val="100000"/>
               </a:lnSpc>
-              <a:defRPr cap="none" sz="3500">
+              <a:defRPr cap="none" sz="1750">
                 <a:latin typeface="Copperplate"/>
                 <a:ea typeface="Copperplate"/>
                 <a:cs typeface="Copperplate"/>
@@ -4939,11 +4936,11 @@
             </a:endParaRPr>
           </a:p>
           <a:p>
-            <a:pPr defTabSz="649223">
+            <a:pPr defTabSz="324611">
               <a:lnSpc>
                 <a:spcPct val="100000"/>
               </a:lnSpc>
-              <a:defRPr cap="none" sz="3500">
+              <a:defRPr cap="none" sz="1750">
                 <a:latin typeface="Copperplate"/>
                 <a:ea typeface="Copperplate"/>
                 <a:cs typeface="Copperplate"/>
@@ -5122,6 +5119,121 @@
           </a:p>
         </p:txBody>
       </p:sp>
+      <p:sp>
+        <p:nvSpPr>
+          <p:cNvPr id="177" name="Title 3"/>
+          <p:cNvSpPr txBox="1"/>
+          <p:nvPr/>
+        </p:nvSpPr>
+        <p:spPr>
+          <a:xfrm>
+            <a:off x="5812660" y="3018291"/>
+            <a:ext cx="5769455" cy="5704461"/>
+          </a:xfrm>
+          <a:prstGeom prst="rect">
+            <a:avLst/>
+          </a:prstGeom>
+          <a:ln w="12700">
+            <a:miter lim="400000"/>
+          </a:ln>
+          <a:extLst>
+            <a:ext uri="{C572A759-6A51-4108-AA02-DFA0A04FC94B}">
+              <ma14:wrappingTextBoxFlag xmlns:ma14="http://schemas.microsoft.com/office/mac/drawingml/2011/main" val="1"/>
+            </a:ext>
+          </a:extLst>
+        </p:spPr>
+        <p:txBody>
+          <a:bodyPr lIns="45718" tIns="45718" rIns="45718" bIns="45718">
+            <a:normAutofit fontScale="100000" lnSpcReduction="0"/>
+          </a:bodyPr>
+          <a:lstStyle/>
+          <a:p>
+            <a:pPr>
+              <a:lnSpc>
+                <a:spcPct val="90000"/>
+              </a:lnSpc>
+              <a:defRPr cap="all" sz="2800">
+                <a:latin typeface="Copperplate"/>
+                <a:ea typeface="Copperplate"/>
+                <a:cs typeface="Copperplate"/>
+                <a:sym typeface="Copperplate"/>
+              </a:defRPr>
+            </a:pPr>
+          </a:p>
+          <a:p>
+            <a:pPr marL="481263" indent="-481263">
+              <a:lnSpc>
+                <a:spcPct val="90000"/>
+              </a:lnSpc>
+              <a:buSzPct val="100000"/>
+              <a:buChar char="•"/>
+              <a:defRPr cap="all" sz="2800">
+                <a:latin typeface="Copperplate"/>
+                <a:ea typeface="Copperplate"/>
+                <a:cs typeface="Copperplate"/>
+                <a:sym typeface="Copperplate"/>
+              </a:defRPr>
+            </a:pPr>
+            <a:r>
+              <a:t>This project consisted of </a:t>
+            </a:r>
+            <a:r>
+              <a:t>USING DIFFERENT Approaches TO TRANSFORM DATA AND TRAIN A modEL BASED on the data to Improve the predictive Ability of that model For High Credit Default Risk</a:t>
+            </a:r>
+          </a:p>
+        </p:txBody>
+      </p:sp>
+      <p:sp>
+        <p:nvSpPr>
+          <p:cNvPr id="178" name="Title 3"/>
+          <p:cNvSpPr txBox="1"/>
+          <p:nvPr/>
+        </p:nvSpPr>
+        <p:spPr>
+          <a:xfrm>
+            <a:off x="6037298" y="2606684"/>
+            <a:ext cx="5667019" cy="1194687"/>
+          </a:xfrm>
+          <a:prstGeom prst="rect">
+            <a:avLst/>
+          </a:prstGeom>
+          <a:ln w="12700">
+            <a:miter lim="400000"/>
+          </a:ln>
+          <a:extLst>
+            <a:ext uri="{C572A759-6A51-4108-AA02-DFA0A04FC94B}">
+              <ma14:wrappingTextBoxFlag xmlns:ma14="http://schemas.microsoft.com/office/mac/drawingml/2011/main" val="1"/>
+            </a:ext>
+          </a:extLst>
+        </p:spPr>
+        <p:txBody>
+          <a:bodyPr lIns="45718" tIns="45718" rIns="45718" bIns="45718">
+            <a:normAutofit fontScale="100000" lnSpcReduction="0"/>
+          </a:bodyPr>
+          <a:lstStyle>
+            <a:lvl1pPr defTabSz="630936">
+              <a:lnSpc>
+                <a:spcPct val="90000"/>
+              </a:lnSpc>
+              <a:defRPr cap="all" sz="3312">
+                <a:solidFill>
+                  <a:srgbClr val="26D015"/>
+                </a:solidFill>
+                <a:latin typeface="Arial Black"/>
+                <a:ea typeface="Arial Black"/>
+                <a:cs typeface="Arial Black"/>
+                <a:sym typeface="Arial Black"/>
+              </a:defRPr>
+            </a:lvl1pPr>
+          </a:lstStyle>
+          <a:p>
+            <a:pPr/>
+            <a:r>
+              <a:t>PROJECT DESCRIPTION</a:t>
+            </a:r>
+          </a:p>
+        </p:txBody>
+      </p:sp>
     </p:spTree>
   </p:cSld>
   <p:clrMapOvr>
@@ -5150,7 +5262,7 @@
       </p:grpSpPr>
       <p:pic>
         <p:nvPicPr>
-          <p:cNvPr id="178" name="Image" descr="Image"/>
+          <p:cNvPr id="180" name="Image" descr="Image"/>
           <p:cNvPicPr>
             <a:picLocks noChangeAspect="1"/>
           </p:cNvPicPr>
@@ -5179,7 +5291,7 @@
       </p:pic>
       <p:sp>
         <p:nvSpPr>
-          <p:cNvPr id="179" name="Title 3"/>
+          <p:cNvPr id="181" name="Title 3"/>
           <p:cNvSpPr txBox="1"/>
           <p:nvPr>
             <p:ph type="title"/>
@@ -5187,8 +5299,8 @@
         </p:nvSpPr>
         <p:spPr>
           <a:xfrm>
-            <a:off x="465288" y="-43191"/>
-            <a:ext cx="12339536" cy="1091767"/>
+            <a:off x="90027" y="55750"/>
+            <a:ext cx="11619329" cy="735759"/>
           </a:xfrm>
           <a:prstGeom prst="rect">
             <a:avLst/>
@@ -5197,13 +5309,13 @@
         <p:txBody>
           <a:bodyPr anchor="t"/>
           <a:lstStyle>
-            <a:lvl1pPr>
+            <a:lvl1pPr defTabSz="578776">
               <a:lnSpc>
                 <a:spcPct val="90000"/>
               </a:lnSpc>
-              <a:defRPr sz="4800">
+              <a:defRPr sz="2944">
                 <a:solidFill>
-                  <a:srgbClr val="26D015"/>
+                  <a:srgbClr val="2EC629"/>
                 </a:solidFill>
                 <a:latin typeface="Arial Black"/>
                 <a:ea typeface="Arial Black"/>
@@ -5215,21 +5327,21 @@
           <a:p>
             <a:pPr/>
             <a:r>
-              <a:t>PROJECT DESCRIPTION</a:t>
-            </a:r>
-          </a:p>
-        </p:txBody>
-      </p:sp>
-      <p:sp>
-        <p:nvSpPr>
-          <p:cNvPr id="180" name="Title 3"/>
+              <a:t>Example OF VISUAL EDA and Feature Engineering</a:t>
+            </a:r>
+          </a:p>
+        </p:txBody>
+      </p:sp>
+      <p:sp>
+        <p:nvSpPr>
+          <p:cNvPr id="182" name="Title 3"/>
           <p:cNvSpPr txBox="1"/>
           <p:nvPr/>
         </p:nvSpPr>
         <p:spPr>
           <a:xfrm>
-            <a:off x="174886" y="893882"/>
-            <a:ext cx="10348998" cy="5704461"/>
+            <a:off x="41383" y="935055"/>
+            <a:ext cx="7654722" cy="5817318"/>
           </a:xfrm>
           <a:prstGeom prst="rect">
             <a:avLst/>
@@ -5247,75 +5359,32 @@
           <a:bodyPr lIns="45718" tIns="45718" rIns="45718" bIns="45718">
             <a:normAutofit fontScale="100000" lnSpcReduction="0"/>
           </a:bodyPr>
-          <a:lstStyle/>
-          <a:p>
-            <a:pPr marL="481263" indent="-481263">
+          <a:lstStyle>
+            <a:lvl1pPr marL="481263" indent="-481263">
               <a:lnSpc>
                 <a:spcPct val="90000"/>
               </a:lnSpc>
               <a:buSzPct val="100000"/>
               <a:buChar char="•"/>
-              <a:defRPr cap="all" sz="2800">
+              <a:defRPr cap="all" sz="2400">
                 <a:latin typeface="Copperplate"/>
                 <a:ea typeface="Copperplate"/>
                 <a:cs typeface="Copperplate"/>
                 <a:sym typeface="Copperplate"/>
               </a:defRPr>
-            </a:pPr>
-            <a:r>
-              <a:t>Many PEOPLE NEED TO GET LOANS FOR MANY Different RESONS, To OPEN THEIR OWN BUSINESS OR BUY A HOUSE</a:t>
-            </a:r>
-          </a:p>
-          <a:p>
-            <a:pPr>
-              <a:lnSpc>
-                <a:spcPct val="90000"/>
-              </a:lnSpc>
-              <a:defRPr cap="all" sz="2800">
-                <a:latin typeface="Copperplate"/>
-                <a:ea typeface="Copperplate"/>
-                <a:cs typeface="Copperplate"/>
-                <a:sym typeface="Copperplate"/>
-              </a:defRPr>
-            </a:pPr>
-          </a:p>
-          <a:p>
-            <a:pPr marL="481263" indent="-481263">
-              <a:lnSpc>
-                <a:spcPct val="90000"/>
-              </a:lnSpc>
-              <a:buSzPct val="100000"/>
-              <a:buChar char="•"/>
-              <a:defRPr cap="all" sz="2800">
-                <a:latin typeface="Copperplate"/>
-                <a:ea typeface="Copperplate"/>
-                <a:cs typeface="Copperplate"/>
-                <a:sym typeface="Copperplate"/>
-              </a:defRPr>
-            </a:pPr>
-            <a:r>
-              <a:t>HOME CREDIT DEFAULT RISK SET UP A COMPETITION to UTLIZE EXISTING DATA TO BUILD A MODEL TO HELP PREDICT, BASED ON THE FEATURES PROVIDED IN THE DATASET, who is likely to pay back that LOAN.</a:t>
-            </a:r>
-          </a:p>
-          <a:p>
-            <a:pPr>
-              <a:lnSpc>
-                <a:spcPct val="90000"/>
-              </a:lnSpc>
-              <a:defRPr cap="all" sz="2800">
-                <a:latin typeface="Copperplate"/>
-                <a:ea typeface="Copperplate"/>
-                <a:cs typeface="Copperplate"/>
-                <a:sym typeface="Copperplate"/>
-              </a:defRPr>
-            </a:pPr>
-            <a:br/>
+            </a:lvl1pPr>
+          </a:lstStyle>
+          <a:p>
+            <a:pPr/>
+            <a:r>
+              <a:t>Below is an example of A Histogram of a normal, root, and Log Transformed COLUMn That was used to determine if we should Leave as is or root Transform or Log Transform.</a:t>
+            </a:r>
           </a:p>
         </p:txBody>
       </p:sp>
       <p:pic>
         <p:nvPicPr>
-          <p:cNvPr id="181" name="Image" descr="Image"/>
+          <p:cNvPr id="183" name="Image" descr="Image"/>
           <p:cNvPicPr>
             <a:picLocks noChangeAspect="1"/>
           </p:cNvPicPr>
@@ -5331,8 +5400,8 @@
         </p:blipFill>
         <p:spPr>
           <a:xfrm>
-            <a:off x="6569404" y="3612383"/>
-            <a:ext cx="5125733" cy="3398584"/>
+            <a:off x="7601239" y="1008503"/>
+            <a:ext cx="4138662" cy="1645263"/>
           </a:xfrm>
           <a:prstGeom prst="rect">
             <a:avLst/>
@@ -5344,14 +5413,14 @@
       </p:pic>
       <p:sp>
         <p:nvSpPr>
-          <p:cNvPr id="182" name="Title 3"/>
+          <p:cNvPr id="184" name="Title 3"/>
           <p:cNvSpPr txBox="1"/>
           <p:nvPr/>
         </p:nvSpPr>
         <p:spPr>
           <a:xfrm>
-            <a:off x="41387" y="3734165"/>
-            <a:ext cx="5769455" cy="5704461"/>
+            <a:off x="791382" y="3232862"/>
+            <a:ext cx="4384824" cy="1553623"/>
           </a:xfrm>
           <a:prstGeom prst="rect">
             <a:avLst/>
@@ -5371,17 +5440,154 @@
           </a:bodyPr>
           <a:lstStyle/>
           <a:p>
-            <a:pPr>
+            <a:pPr marL="399448" indent="-399448" defTabSz="758951">
               <a:lnSpc>
                 <a:spcPct val="90000"/>
               </a:lnSpc>
-              <a:defRPr cap="all" sz="2800">
+              <a:buSzPct val="100000"/>
+              <a:buChar char="•"/>
+              <a:defRPr cap="all" sz="1411">
                 <a:latin typeface="Copperplate"/>
                 <a:ea typeface="Copperplate"/>
                 <a:cs typeface="Copperplate"/>
                 <a:sym typeface="Copperplate"/>
               </a:defRPr>
             </a:pPr>
+            <a:r>
+              <a:t>This class reduces features by measuring collinearity between the input variables and target.</a:t>
+            </a:r>
+          </a:p>
+          <a:p>
+            <a:pPr defTabSz="758951">
+              <a:lnSpc>
+                <a:spcPct val="90000"/>
+              </a:lnSpc>
+              <a:defRPr cap="all" sz="1411">
+                <a:latin typeface="Copperplate"/>
+                <a:ea typeface="Copperplate"/>
+                <a:cs typeface="Copperplate"/>
+                <a:sym typeface="Copperplate"/>
+              </a:defRPr>
+            </a:pPr>
+          </a:p>
+          <a:p>
+            <a:pPr marL="399448" indent="-399448" defTabSz="758951">
+              <a:lnSpc>
+                <a:spcPct val="90000"/>
+              </a:lnSpc>
+              <a:buSzPct val="100000"/>
+              <a:buChar char="•"/>
+              <a:defRPr cap="all" sz="1411">
+                <a:latin typeface="Copperplate"/>
+                <a:ea typeface="Copperplate"/>
+                <a:cs typeface="Copperplate"/>
+                <a:sym typeface="Copperplate"/>
+              </a:defRPr>
+            </a:pPr>
+            <a:r>
+              <a:t>The process is repeated until there are no more colinear pairs with absolute correlations above the threshold.</a:t>
+            </a:r>
+          </a:p>
+        </p:txBody>
+      </p:sp>
+      <p:pic>
+        <p:nvPicPr>
+          <p:cNvPr id="185" name="Image" descr="Image"/>
+          <p:cNvPicPr>
+            <a:picLocks noChangeAspect="1"/>
+          </p:cNvPicPr>
+          <p:nvPr/>
+        </p:nvPicPr>
+        <p:blipFill>
+          <a:blip r:embed="rId4">
+            <a:extLst/>
+          </a:blip>
+          <a:stretch>
+            <a:fillRect/>
+          </a:stretch>
+        </p:blipFill>
+        <p:spPr>
+          <a:xfrm>
+            <a:off x="7942284" y="2915813"/>
+            <a:ext cx="2369058" cy="1852242"/>
+          </a:xfrm>
+          <a:prstGeom prst="rect">
+            <a:avLst/>
+          </a:prstGeom>
+          <a:ln w="12700">
+            <a:miter lim="400000"/>
+          </a:ln>
+        </p:spPr>
+      </p:pic>
+      <p:pic>
+        <p:nvPicPr>
+          <p:cNvPr id="186" name="Image" descr="Image"/>
+          <p:cNvPicPr>
+            <a:picLocks noChangeAspect="1"/>
+          </p:cNvPicPr>
+          <p:nvPr/>
+        </p:nvPicPr>
+        <p:blipFill>
+          <a:blip r:embed="rId5">
+            <a:extLst/>
+          </a:blip>
+          <a:stretch>
+            <a:fillRect/>
+          </a:stretch>
+        </p:blipFill>
+        <p:spPr>
+          <a:xfrm>
+            <a:off x="7939086" y="5277442"/>
+            <a:ext cx="2375455" cy="1417908"/>
+          </a:xfrm>
+          <a:prstGeom prst="rect">
+            <a:avLst/>
+          </a:prstGeom>
+          <a:ln w="12700">
+            <a:miter lim="400000"/>
+          </a:ln>
+        </p:spPr>
+      </p:pic>
+      <p:sp>
+        <p:nvSpPr>
+          <p:cNvPr id="187" name="Title 3"/>
+          <p:cNvSpPr txBox="1"/>
+          <p:nvPr/>
+        </p:nvSpPr>
+        <p:spPr>
+          <a:xfrm>
+            <a:off x="872723" y="5324661"/>
+            <a:ext cx="4384824" cy="2421666"/>
+          </a:xfrm>
+          <a:prstGeom prst="rect">
+            <a:avLst/>
+          </a:prstGeom>
+          <a:ln w="12700">
+            <a:miter lim="400000"/>
+          </a:ln>
+          <a:extLst>
+            <a:ext uri="{C572A759-6A51-4108-AA02-DFA0A04FC94B}">
+              <ma14:wrappingTextBoxFlag xmlns:ma14="http://schemas.microsoft.com/office/mac/drawingml/2011/main" val="1"/>
+            </a:ext>
+          </a:extLst>
+        </p:spPr>
+        <p:txBody>
+          <a:bodyPr lIns="45718" tIns="45718" rIns="45718" bIns="45718">
+            <a:normAutofit fontScale="100000" lnSpcReduction="0"/>
+          </a:bodyPr>
+          <a:lstStyle/>
+          <a:p>
+            <a:pPr>
+              <a:lnSpc>
+                <a:spcPct val="90000"/>
+              </a:lnSpc>
+              <a:defRPr cap="all" sz="1700">
+                <a:latin typeface="Copperplate"/>
+                <a:ea typeface="Copperplate"/>
+                <a:cs typeface="Copperplate"/>
+                <a:sym typeface="Copperplate"/>
+              </a:defRPr>
+            </a:pPr>
           </a:p>
           <a:p>
             <a:pPr marL="481263" indent="-481263">
@@ -5390,7 +5596,7 @@
               </a:lnSpc>
               <a:buSzPct val="100000"/>
               <a:buChar char="•"/>
-              <a:defRPr cap="all" sz="2800">
+              <a:defRPr cap="all" sz="1700">
                 <a:latin typeface="Copperplate"/>
                 <a:ea typeface="Copperplate"/>
                 <a:cs typeface="Copperplate"/>
@@ -5398,11 +5604,76 @@
               </a:defRPr>
             </a:pPr>
             <a:r>
-              <a:t>This project consisted of </a:t>
-            </a:r>
-            <a:r>
-              <a:t>USING DIFFERENT Approaches TO TRANSFORM THE DATA AND TRAIN A modEL BASED on the data to Improve the predictive Ability of that model.</a:t>
-            </a:r>
+              <a:t>Features Were Engineered and some log transformed based on distribution </a:t>
+            </a:r>
+          </a:p>
+        </p:txBody>
+      </p:sp>
+      <p:sp>
+        <p:nvSpPr>
+          <p:cNvPr id="188" name="Arrow"/>
+          <p:cNvSpPr/>
+          <p:nvPr/>
+        </p:nvSpPr>
+        <p:spPr>
+          <a:xfrm>
+            <a:off x="5923451" y="3547305"/>
+            <a:ext cx="980251" cy="397163"/>
+          </a:xfrm>
+          <a:prstGeom prst="rightArrow">
+            <a:avLst>
+              <a:gd name="adj1" fmla="val 32000"/>
+              <a:gd name="adj2" fmla="val 157961"/>
+            </a:avLst>
+          </a:prstGeom>
+          <a:solidFill>
+            <a:srgbClr val="000000"/>
+          </a:solidFill>
+          <a:ln w="25400">
+            <a:solidFill>
+              <a:schemeClr val="accent1"/>
+            </a:solidFill>
+          </a:ln>
+        </p:spPr>
+        <p:txBody>
+          <a:bodyPr lIns="45718" tIns="45718" rIns="45718" bIns="45718" anchor="ctr"/>
+          <a:lstStyle/>
+          <a:p>
+            <a:pPr/>
+          </a:p>
+        </p:txBody>
+      </p:sp>
+      <p:sp>
+        <p:nvSpPr>
+          <p:cNvPr id="189" name="Arrow"/>
+          <p:cNvSpPr/>
+          <p:nvPr/>
+        </p:nvSpPr>
+        <p:spPr>
+          <a:xfrm>
+            <a:off x="5933313" y="5684709"/>
+            <a:ext cx="980251" cy="397164"/>
+          </a:xfrm>
+          <a:prstGeom prst="rightArrow">
+            <a:avLst>
+              <a:gd name="adj1" fmla="val 32000"/>
+              <a:gd name="adj2" fmla="val 157961"/>
+            </a:avLst>
+          </a:prstGeom>
+          <a:solidFill>
+            <a:srgbClr val="000000"/>
+          </a:solidFill>
+          <a:ln w="25400">
+            <a:solidFill>
+              <a:schemeClr val="accent1"/>
+            </a:solidFill>
+          </a:ln>
+        </p:spPr>
+        <p:txBody>
+          <a:bodyPr lIns="45718" tIns="45718" rIns="45718" bIns="45718" anchor="ctr"/>
+          <a:lstStyle/>
+          <a:p>
+            <a:pPr/>
           </a:p>
         </p:txBody>
       </p:sp>
@@ -5434,7 +5705,7 @@
       </p:grpSpPr>
       <p:pic>
         <p:nvPicPr>
-          <p:cNvPr id="184" name="Image" descr="Image"/>
+          <p:cNvPr id="191" name="Image" descr="Image"/>
           <p:cNvPicPr>
             <a:picLocks noChangeAspect="1"/>
           </p:cNvPicPr>
@@ -5450,8 +5721,8 @@
         </p:blipFill>
         <p:spPr>
           <a:xfrm>
-            <a:off x="-1033735" y="-828542"/>
-            <a:ext cx="12766240" cy="8515084"/>
+            <a:off x="-595345" y="-828542"/>
+            <a:ext cx="12766241" cy="8515084"/>
           </a:xfrm>
           <a:prstGeom prst="rect">
             <a:avLst/>
@@ -5463,7 +5734,7 @@
       </p:pic>
       <p:sp>
         <p:nvSpPr>
-          <p:cNvPr id="185" name="Title 3"/>
+          <p:cNvPr id="192" name="Title 3"/>
           <p:cNvSpPr txBox="1"/>
           <p:nvPr>
             <p:ph type="title"/>
@@ -5471,8 +5742,8 @@
         </p:nvSpPr>
         <p:spPr>
           <a:xfrm>
-            <a:off x="90027" y="55750"/>
-            <a:ext cx="11619329" cy="735759"/>
+            <a:off x="703098" y="-13242"/>
+            <a:ext cx="12339535" cy="735758"/>
           </a:xfrm>
           <a:prstGeom prst="rect">
             <a:avLst/>
@@ -5481,13 +5752,13 @@
         <p:txBody>
           <a:bodyPr anchor="t"/>
           <a:lstStyle>
-            <a:lvl1pPr defTabSz="578776">
+            <a:lvl1pPr defTabSz="511148">
               <a:lnSpc>
                 <a:spcPct val="90000"/>
               </a:lnSpc>
-              <a:defRPr sz="2944">
+              <a:defRPr sz="2600">
                 <a:solidFill>
-                  <a:srgbClr val="2EC629"/>
+                  <a:srgbClr val="2AF51D"/>
                 </a:solidFill>
                 <a:latin typeface="Arial Black"/>
                 <a:ea typeface="Arial Black"/>
@@ -5499,21 +5770,21 @@
           <a:p>
             <a:pPr/>
             <a:r>
-              <a:t>Example OF VISUAL EDA and Feature Engineering</a:t>
-            </a:r>
-          </a:p>
-        </p:txBody>
-      </p:sp>
-      <p:sp>
-        <p:nvSpPr>
-          <p:cNvPr id="186" name="Title 3"/>
+              <a:t>OVERVIEW OF THE MODELING PIPELINES: one Example</a:t>
+            </a:r>
+          </a:p>
+        </p:txBody>
+      </p:sp>
+      <p:sp>
+        <p:nvSpPr>
+          <p:cNvPr id="193" name="Title 3"/>
           <p:cNvSpPr txBox="1"/>
           <p:nvPr/>
         </p:nvSpPr>
         <p:spPr>
           <a:xfrm>
-            <a:off x="41383" y="1081344"/>
-            <a:ext cx="11237046" cy="5671029"/>
+            <a:off x="99828" y="663316"/>
+            <a:ext cx="5048211" cy="1822474"/>
           </a:xfrm>
           <a:prstGeom prst="rect">
             <a:avLst/>
@@ -5531,39 +5802,58 @@
           <a:bodyPr lIns="45718" tIns="45718" rIns="45718" bIns="45718">
             <a:normAutofit fontScale="100000" lnSpcReduction="0"/>
           </a:bodyPr>
-          <a:lstStyle>
-            <a:lvl1pPr marL="481263" indent="-481263">
+          <a:lstStyle/>
+          <a:p>
+            <a:pPr marL="341696" indent="-341696" defTabSz="649223">
               <a:lnSpc>
                 <a:spcPct val="90000"/>
               </a:lnSpc>
               <a:buSzPct val="100000"/>
               <a:buChar char="•"/>
-              <a:defRPr cap="all" sz="2400">
+              <a:defRPr cap="all" sz="1703">
                 <a:latin typeface="Copperplate"/>
                 <a:ea typeface="Copperplate"/>
                 <a:cs typeface="Copperplate"/>
                 <a:sym typeface="Copperplate"/>
               </a:defRPr>
-            </a:lvl1pPr>
-          </a:lstStyle>
-          <a:p>
-            <a:pPr/>
-            <a:r>
-              <a:t>Below is an example of A Histogram of a normal, root, and Log Transformed COLUMn That was used to determine if we should Leave as is or root Transform or Log Transform.</a:t>
-            </a:r>
-          </a:p>
-        </p:txBody>
-      </p:sp>
-      <p:sp>
-        <p:nvSpPr>
-          <p:cNvPr id="187" name="Title 3"/>
+            </a:pPr>
+            <a:r>
+              <a:t>THE Main PIPELINE CONSISTED OF A CATEGORICAL and NUMERICAL pipeline</a:t>
+            </a:r>
+            <a:br/>
+            <a:br/>
+          </a:p>
+          <a:p>
+            <a:pPr marL="341696" indent="-341696" defTabSz="649223">
+              <a:lnSpc>
+                <a:spcPct val="90000"/>
+              </a:lnSpc>
+              <a:buSzPct val="100000"/>
+              <a:buChar char="•"/>
+              <a:defRPr cap="all" sz="1703">
+                <a:latin typeface="Copperplate"/>
+                <a:ea typeface="Copperplate"/>
+                <a:cs typeface="Copperplate"/>
+                <a:sym typeface="Copperplate"/>
+              </a:defRPr>
+            </a:pPr>
+            <a:r>
+              <a:t>They were both combined into one pipeline and Grid Search Was performed on those PIPElines</a:t>
+            </a:r>
+            <a:br/>
+          </a:p>
+        </p:txBody>
+      </p:sp>
+      <p:sp>
+        <p:nvSpPr>
+          <p:cNvPr id="194" name="Title 3"/>
           <p:cNvSpPr txBox="1"/>
           <p:nvPr/>
         </p:nvSpPr>
         <p:spPr>
           <a:xfrm>
-            <a:off x="84796" y="2445336"/>
-            <a:ext cx="4421616" cy="3614002"/>
+            <a:off x="155738" y="2517763"/>
+            <a:ext cx="4936392" cy="1822474"/>
           </a:xfrm>
           <a:prstGeom prst="rect">
             <a:avLst/>
@@ -5583,13 +5873,13 @@
           </a:bodyPr>
           <a:lstStyle/>
           <a:p>
-            <a:pPr marL="327258" indent="-327258" defTabSz="621791">
+            <a:pPr marL="360947" indent="-360947" defTabSz="685800">
               <a:lnSpc>
                 <a:spcPct val="90000"/>
               </a:lnSpc>
               <a:buSzPct val="100000"/>
               <a:buChar char="•"/>
-              <a:defRPr cap="all" sz="1632">
+              <a:defRPr cap="all">
                 <a:latin typeface="Copperplate"/>
                 <a:ea typeface="Copperplate"/>
                 <a:cs typeface="Copperplate"/>
@@ -5597,41 +5887,33 @@
               </a:defRPr>
             </a:pPr>
             <a:r>
-              <a:t>The Criteria was:</a:t>
+              <a:t>Using Eg. Logistic Regression The Model was tuned using hyperParameters C, Solver, and penalty.</a:t>
             </a:r>
             <a:br/>
-            <a:br/>
-            <a:r>
-              <a:t>if it improves the central distribution </a:t>
-            </a:r>
-            <a:br/>
-            <a:br/>
-            <a:r>
-              <a:t>or </a:t>
-            </a:r>
-            <a:br/>
-            <a:br/>
-            <a:r>
-              <a:t>the SCAle was extremely large compared to their values </a:t>
-            </a:r>
-            <a:br/>
-            <a:br/>
-            <a:r>
-              <a:t>And</a:t>
-            </a:r>
-            <a:br/>
-            <a:br/>
-            <a:r>
-              <a:t>For some the Skewness was calculated and the Transformation or Non-Transformation that returned the lowest abs value was kept</a:t>
-            </a:r>
-            <a:br/>
-            <a:br/>
+          </a:p>
+          <a:p>
+            <a:pPr marL="360947" indent="-360947" defTabSz="685800">
+              <a:lnSpc>
+                <a:spcPct val="90000"/>
+              </a:lnSpc>
+              <a:buSzPct val="100000"/>
+              <a:buChar char="•"/>
+              <a:defRPr cap="all">
+                <a:latin typeface="Copperplate"/>
+                <a:ea typeface="Copperplate"/>
+                <a:cs typeface="Copperplate"/>
+                <a:sym typeface="Copperplate"/>
+              </a:defRPr>
+            </a:pPr>
+            <a:r>
+              <a:t>The best Hyper Parameters were found to be:</a:t>
+            </a:r>
           </a:p>
         </p:txBody>
       </p:sp>
       <p:pic>
         <p:nvPicPr>
-          <p:cNvPr id="188" name="Image" descr="Image"/>
+          <p:cNvPr id="195" name="Image" descr="Image"/>
           <p:cNvPicPr>
             <a:picLocks noChangeAspect="1"/>
           </p:cNvPicPr>
@@ -5647,8 +5929,37 @@
         </p:blipFill>
         <p:spPr>
           <a:xfrm>
-            <a:off x="4475991" y="2694725"/>
-            <a:ext cx="6988134" cy="2778026"/>
+            <a:off x="7129471" y="750972"/>
+            <a:ext cx="4936392" cy="5958851"/>
+          </a:xfrm>
+          <a:prstGeom prst="rect">
+            <a:avLst/>
+          </a:prstGeom>
+          <a:ln w="12700">
+            <a:miter lim="400000"/>
+          </a:ln>
+        </p:spPr>
+      </p:pic>
+      <p:pic>
+        <p:nvPicPr>
+          <p:cNvPr id="196" name="Image" descr="Image"/>
+          <p:cNvPicPr>
+            <a:picLocks noChangeAspect="1"/>
+          </p:cNvPicPr>
+          <p:nvPr/>
+        </p:nvPicPr>
+        <p:blipFill>
+          <a:blip r:embed="rId4">
+            <a:extLst/>
+          </a:blip>
+          <a:stretch>
+            <a:fillRect/>
+          </a:stretch>
+        </p:blipFill>
+        <p:spPr>
+          <a:xfrm>
+            <a:off x="218547" y="4272459"/>
+            <a:ext cx="6375147" cy="2271605"/>
           </a:xfrm>
           <a:prstGeom prst="rect">
             <a:avLst/>
@@ -5686,7 +5997,7 @@
       </p:grpSpPr>
       <p:pic>
         <p:nvPicPr>
-          <p:cNvPr id="190" name="Image" descr="Image"/>
+          <p:cNvPr id="198" name="Image" descr="Image"/>
           <p:cNvPicPr>
             <a:picLocks noChangeAspect="1"/>
           </p:cNvPicPr>
@@ -5702,8 +6013,8 @@
         </p:blipFill>
         <p:spPr>
           <a:xfrm>
-            <a:off x="-595345" y="-828542"/>
-            <a:ext cx="12766241" cy="8515084"/>
+            <a:off x="-1033735" y="-828542"/>
+            <a:ext cx="12766240" cy="8515084"/>
           </a:xfrm>
           <a:prstGeom prst="rect">
             <a:avLst/>
@@ -5715,7 +6026,7 @@
       </p:pic>
       <p:sp>
         <p:nvSpPr>
-          <p:cNvPr id="191" name="Title 3"/>
+          <p:cNvPr id="199" name="Title 3"/>
           <p:cNvSpPr txBox="1"/>
           <p:nvPr>
             <p:ph type="title"/>
@@ -5723,8 +6034,8 @@
         </p:nvSpPr>
         <p:spPr>
           <a:xfrm>
-            <a:off x="1683890" y="-13242"/>
-            <a:ext cx="12339535" cy="735758"/>
+            <a:off x="195760" y="6723"/>
+            <a:ext cx="12339536" cy="735758"/>
           </a:xfrm>
           <a:prstGeom prst="rect">
             <a:avLst/>
@@ -5733,13 +6044,13 @@
         <p:txBody>
           <a:bodyPr anchor="t"/>
           <a:lstStyle>
-            <a:lvl1pPr defTabSz="511148">
+            <a:lvl1pPr defTabSz="708018">
               <a:lnSpc>
                 <a:spcPct val="90000"/>
               </a:lnSpc>
-              <a:defRPr sz="2600">
+              <a:defRPr>
                 <a:solidFill>
-                  <a:srgbClr val="2AF51D"/>
+                  <a:srgbClr val="23C63D"/>
                 </a:solidFill>
                 <a:latin typeface="Arial Black"/>
                 <a:ea typeface="Arial Black"/>
@@ -5751,21 +6062,21 @@
           <a:p>
             <a:pPr/>
             <a:r>
-              <a:t>Feature Engineering</a:t>
-            </a:r>
-          </a:p>
-        </p:txBody>
-      </p:sp>
-      <p:sp>
-        <p:nvSpPr>
-          <p:cNvPr id="192" name="Title 3"/>
+              <a:t>Results and Discussion of the Results</a:t>
+            </a:r>
+          </a:p>
+        </p:txBody>
+      </p:sp>
+      <p:sp>
+        <p:nvSpPr>
+          <p:cNvPr id="200" name="Title 3"/>
           <p:cNvSpPr txBox="1"/>
           <p:nvPr/>
         </p:nvSpPr>
         <p:spPr>
           <a:xfrm>
-            <a:off x="155738" y="778571"/>
-            <a:ext cx="4860040" cy="3291745"/>
+            <a:off x="239473" y="1334801"/>
+            <a:ext cx="5631461" cy="1125616"/>
           </a:xfrm>
           <a:prstGeom prst="rect">
             <a:avLst/>
@@ -5783,15 +6094,65 @@
           <a:bodyPr lIns="45718" tIns="45718" rIns="45718" bIns="45718">
             <a:normAutofit fontScale="100000" lnSpcReduction="0"/>
           </a:bodyPr>
-          <a:lstStyle/>
-          <a:p>
-            <a:pPr marL="293570" indent="-293570" defTabSz="557784">
+          <a:lstStyle>
+            <a:lvl1pPr marL="404258" indent="-404258" defTabSz="768094">
               <a:lnSpc>
                 <a:spcPct val="90000"/>
               </a:lnSpc>
               <a:buSzPct val="100000"/>
               <a:buChar char="•"/>
-              <a:defRPr cap="all" sz="1464">
+              <a:defRPr cap="all" sz="2000">
+                <a:latin typeface="Copperplate"/>
+                <a:ea typeface="Copperplate"/>
+                <a:cs typeface="Copperplate"/>
+                <a:sym typeface="Copperplate"/>
+              </a:defRPr>
+            </a:lvl1pPr>
+          </a:lstStyle>
+          <a:p>
+            <a:pPr/>
+            <a:r>
+              <a:t>Results From phase one Demonstrated A Model with the Test AUC to BE between .735-.745</a:t>
+            </a:r>
+          </a:p>
+        </p:txBody>
+      </p:sp>
+      <p:sp>
+        <p:nvSpPr>
+          <p:cNvPr id="201" name="Title 3"/>
+          <p:cNvSpPr txBox="1"/>
+          <p:nvPr/>
+        </p:nvSpPr>
+        <p:spPr>
+          <a:xfrm>
+            <a:off x="86658" y="4438619"/>
+            <a:ext cx="3903795" cy="1810303"/>
+          </a:xfrm>
+          <a:prstGeom prst="rect">
+            <a:avLst/>
+          </a:prstGeom>
+          <a:ln w="12700">
+            <a:miter lim="400000"/>
+          </a:ln>
+          <a:extLst>
+            <a:ext uri="{C572A759-6A51-4108-AA02-DFA0A04FC94B}">
+              <ma14:wrappingTextBoxFlag xmlns:ma14="http://schemas.microsoft.com/office/mac/drawingml/2011/main" val="1"/>
+            </a:ext>
+          </a:extLst>
+        </p:spPr>
+        <p:txBody>
+          <a:bodyPr lIns="45718" tIns="45718" rIns="45718" bIns="45718">
+            <a:normAutofit fontScale="100000" lnSpcReduction="0"/>
+          </a:bodyPr>
+          <a:lstStyle/>
+          <a:p>
+            <a:pPr marL="365759" indent="-365759" defTabSz="694944">
+              <a:lnSpc>
+                <a:spcPct val="90000"/>
+              </a:lnSpc>
+              <a:buSzPct val="100000"/>
+              <a:buChar char="•"/>
+              <a:defRPr cap="all" sz="1368">
                 <a:latin typeface="Copperplate"/>
                 <a:ea typeface="Copperplate"/>
                 <a:cs typeface="Copperplate"/>
@@ -5799,15 +6160,15 @@
               </a:defRPr>
             </a:pPr>
             <a:r>
-              <a:t>This class reduces features by measuring collinearity between the input variables and target.</a:t>
-            </a:r>
-          </a:p>
-          <a:p>
-            <a:pPr defTabSz="557784">
+              <a:t>In Phase 3 With additional feature engineering and log transformations from phase 2, The model Demonstrated a Test AUC of .7734, a recall of 0.9194 and Balanced Accuracy of 0.5113 using Logistic Regression </a:t>
+            </a:r>
+          </a:p>
+          <a:p>
+            <a:pPr defTabSz="694944">
               <a:lnSpc>
                 <a:spcPct val="90000"/>
               </a:lnSpc>
-              <a:defRPr cap="all" sz="1464">
+              <a:defRPr cap="all" sz="1368">
                 <a:latin typeface="Copperplate"/>
                 <a:ea typeface="Copperplate"/>
                 <a:cs typeface="Copperplate"/>
@@ -5816,13 +6177,13 @@
             </a:pPr>
           </a:p>
           <a:p>
-            <a:pPr marL="293570" indent="-293570" defTabSz="557784">
+            <a:pPr marL="365759" indent="-365759" defTabSz="694944">
               <a:lnSpc>
                 <a:spcPct val="90000"/>
               </a:lnSpc>
               <a:buSzPct val="100000"/>
               <a:buChar char="•"/>
-              <a:defRPr cap="all" sz="1464">
+              <a:defRPr cap="all" sz="1368">
                 <a:latin typeface="Copperplate"/>
                 <a:ea typeface="Copperplate"/>
                 <a:cs typeface="Copperplate"/>
@@ -5830,76 +6191,64 @@
               </a:defRPr>
             </a:pPr>
             <a:r>
-              <a:t>Works on numerical features based on the correlations between each variable pair.</a:t>
-            </a:r>
-          </a:p>
-          <a:p>
-            <a:pPr defTabSz="557784">
+              <a:t>XgbOost gave a Test Auc of 0.7574, a Recall of 0.9182, and a Balanced Accuracy of 0.5319</a:t>
+            </a:r>
+          </a:p>
+        </p:txBody>
+      </p:sp>
+      <p:sp>
+        <p:nvSpPr>
+          <p:cNvPr id="202" name="Title 3"/>
+          <p:cNvSpPr txBox="1"/>
+          <p:nvPr/>
+        </p:nvSpPr>
+        <p:spPr>
+          <a:xfrm>
+            <a:off x="276106" y="2487918"/>
+            <a:ext cx="5558196" cy="1613343"/>
+          </a:xfrm>
+          <a:prstGeom prst="rect">
+            <a:avLst/>
+          </a:prstGeom>
+          <a:ln w="12700">
+            <a:miter lim="400000"/>
+          </a:ln>
+          <a:extLst>
+            <a:ext uri="{C572A759-6A51-4108-AA02-DFA0A04FC94B}">
+              <ma14:wrappingTextBoxFlag xmlns:ma14="http://schemas.microsoft.com/office/mac/drawingml/2011/main" val="1"/>
+            </a:ext>
+          </a:extLst>
+        </p:spPr>
+        <p:txBody>
+          <a:bodyPr lIns="45718" tIns="45718" rIns="45718" bIns="45718">
+            <a:normAutofit fontScale="100000" lnSpcReduction="0"/>
+          </a:bodyPr>
+          <a:lstStyle>
+            <a:lvl1pPr marL="400215" indent="-400215" defTabSz="760413">
               <a:lnSpc>
                 <a:spcPct val="90000"/>
               </a:lnSpc>
-              <a:defRPr cap="all" sz="1464">
+              <a:buSzPct val="100000"/>
+              <a:buChar char="•"/>
+              <a:defRPr cap="all" sz="1979">
                 <a:latin typeface="Copperplate"/>
                 <a:ea typeface="Copperplate"/>
                 <a:cs typeface="Copperplate"/>
                 <a:sym typeface="Copperplate"/>
               </a:defRPr>
-            </a:pPr>
-          </a:p>
-          <a:p>
-            <a:pPr marL="293570" indent="-293570" defTabSz="557784">
-              <a:lnSpc>
-                <a:spcPct val="90000"/>
-              </a:lnSpc>
-              <a:buSzPct val="100000"/>
-              <a:buChar char="•"/>
-              <a:defRPr cap="all" sz="1464">
-                <a:latin typeface="Copperplate"/>
-                <a:ea typeface="Copperplate"/>
-                <a:cs typeface="Copperplate"/>
-                <a:sym typeface="Copperplate"/>
-              </a:defRPr>
-            </a:pPr>
-            <a:r>
-              <a:t>Of the variable pairs with absolute correlations above the threshold value......the variables with the lowest target variable correlation are dropped from the input X.</a:t>
-            </a:r>
-          </a:p>
-          <a:p>
-            <a:pPr defTabSz="557784">
-              <a:lnSpc>
-                <a:spcPct val="90000"/>
-              </a:lnSpc>
-              <a:defRPr cap="all" sz="1464">
-                <a:latin typeface="Copperplate"/>
-                <a:ea typeface="Copperplate"/>
-                <a:cs typeface="Copperplate"/>
-                <a:sym typeface="Copperplate"/>
-              </a:defRPr>
-            </a:pPr>
-          </a:p>
-          <a:p>
-            <a:pPr marL="293570" indent="-293570" defTabSz="557784">
-              <a:lnSpc>
-                <a:spcPct val="90000"/>
-              </a:lnSpc>
-              <a:buSzPct val="100000"/>
-              <a:buChar char="•"/>
-              <a:defRPr cap="all" sz="1464">
-                <a:latin typeface="Copperplate"/>
-                <a:ea typeface="Copperplate"/>
-                <a:cs typeface="Copperplate"/>
-                <a:sym typeface="Copperplate"/>
-              </a:defRPr>
-            </a:pPr>
-            <a:r>
-              <a:t>The process is repeated until there are no more colinear pairs with absolute correlations above the threshold.</a:t>
+            </a:lvl1pPr>
+          </a:lstStyle>
+          <a:p>
+            <a:pPr/>
+            <a:r>
+              <a:t>Results From phase TWO AFTER EDA improved our accuracy as we rolled up data and aggregated them by ["min", "max", "count", "sum", "median", "mean", “var”] Demonstrated AN TEST AUC AT .7709</a:t>
             </a:r>
           </a:p>
         </p:txBody>
       </p:sp>
       <p:pic>
         <p:nvPicPr>
-          <p:cNvPr id="193" name="Image" descr="Image"/>
+          <p:cNvPr id="203" name="Image" descr="Image"/>
           <p:cNvPicPr>
             <a:picLocks noChangeAspect="1"/>
           </p:cNvPicPr>
@@ -5909,14 +6258,15 @@
           <a:blip r:embed="rId3">
             <a:extLst/>
           </a:blip>
+          <a:srcRect l="0" t="0" r="0" b="0"/>
           <a:stretch>
             <a:fillRect/>
           </a:stretch>
         </p:blipFill>
         <p:spPr>
           <a:xfrm>
-            <a:off x="7015304" y="629262"/>
-            <a:ext cx="3668827" cy="2868462"/>
+            <a:off x="4429109" y="5004735"/>
+            <a:ext cx="6520960" cy="420256"/>
           </a:xfrm>
           <a:prstGeom prst="rect">
             <a:avLst/>
@@ -5926,9 +6276,59 @@
           </a:ln>
         </p:spPr>
       </p:pic>
+      <p:sp>
+        <p:nvSpPr>
+          <p:cNvPr id="204" name="Title 3"/>
+          <p:cNvSpPr txBox="1"/>
+          <p:nvPr/>
+        </p:nvSpPr>
+        <p:spPr>
+          <a:xfrm>
+            <a:off x="4295906" y="4448669"/>
+            <a:ext cx="4553018" cy="932444"/>
+          </a:xfrm>
+          <a:prstGeom prst="rect">
+            <a:avLst/>
+          </a:prstGeom>
+          <a:ln w="12700">
+            <a:miter lim="400000"/>
+          </a:ln>
+          <a:extLst>
+            <a:ext uri="{C572A759-6A51-4108-AA02-DFA0A04FC94B}">
+              <ma14:wrappingTextBoxFlag xmlns:ma14="http://schemas.microsoft.com/office/mac/drawingml/2011/main" val="1"/>
+            </a:ext>
+          </a:extLst>
+        </p:spPr>
+        <p:txBody>
+          <a:bodyPr lIns="45718" tIns="45718" rIns="45718" bIns="45718">
+            <a:normAutofit fontScale="100000" lnSpcReduction="0"/>
+          </a:bodyPr>
+          <a:lstStyle>
+            <a:lvl1pPr marL="481263" indent="-481263">
+              <a:lnSpc>
+                <a:spcPct val="90000"/>
+              </a:lnSpc>
+              <a:buSzPct val="100000"/>
+              <a:buChar char="•"/>
+              <a:defRPr cap="all" sz="2400">
+                <a:latin typeface="Copperplate"/>
+                <a:ea typeface="Copperplate"/>
+                <a:cs typeface="Copperplate"/>
+                <a:sym typeface="Copperplate"/>
+              </a:defRPr>
+            </a:lvl1pPr>
+          </a:lstStyle>
+          <a:p>
+            <a:pPr/>
+            <a:r>
+              <a:t>PHASE 3</a:t>
+            </a:r>
+          </a:p>
+        </p:txBody>
+      </p:sp>
       <p:pic>
         <p:nvPicPr>
-          <p:cNvPr id="194" name="Image" descr="Image"/>
+          <p:cNvPr id="205" name="Image" descr="Image"/>
           <p:cNvPicPr>
             <a:picLocks noChangeAspect="1"/>
           </p:cNvPicPr>
@@ -5944,8 +6344,8 @@
         </p:blipFill>
         <p:spPr>
           <a:xfrm>
-            <a:off x="7003277" y="4112095"/>
-            <a:ext cx="3925515" cy="2343138"/>
+            <a:off x="4244484" y="5925742"/>
+            <a:ext cx="6703297" cy="324213"/>
           </a:xfrm>
           <a:prstGeom prst="rect">
             <a:avLst/>
@@ -5957,14 +6357,14 @@
       </p:pic>
       <p:sp>
         <p:nvSpPr>
-          <p:cNvPr id="195" name="Title 3"/>
+          <p:cNvPr id="206" name="Title 3"/>
           <p:cNvSpPr txBox="1"/>
           <p:nvPr/>
         </p:nvSpPr>
         <p:spPr>
           <a:xfrm>
-            <a:off x="281221" y="4344710"/>
-            <a:ext cx="4384824" cy="2421666"/>
+            <a:off x="6470272" y="4641290"/>
+            <a:ext cx="4553018" cy="932444"/>
           </a:xfrm>
           <a:prstGeom prst="rect">
             <a:avLst/>
@@ -5982,123 +6382,155 @@
           <a:bodyPr lIns="45718" tIns="45718" rIns="45718" bIns="45718">
             <a:normAutofit fontScale="100000" lnSpcReduction="0"/>
           </a:bodyPr>
-          <a:lstStyle/>
-          <a:p>
-            <a:pPr marL="385010" indent="-385010" defTabSz="731520">
+          <a:lstStyle>
+            <a:lvl1pPr marL="481263" indent="-481263">
               <a:lnSpc>
                 <a:spcPct val="90000"/>
               </a:lnSpc>
               <a:buSzPct val="100000"/>
               <a:buChar char="•"/>
-              <a:defRPr cap="all" sz="1920">
+              <a:defRPr cap="all" sz="2400">
                 <a:latin typeface="Copperplate"/>
                 <a:ea typeface="Copperplate"/>
                 <a:cs typeface="Copperplate"/>
                 <a:sym typeface="Copperplate"/>
               </a:defRPr>
-            </a:pPr>
-            <a:r>
-              <a:t>The figure in the right shows the EDA and Feature Engineering for The POS Cash Balance Table.</a:t>
-            </a:r>
-          </a:p>
-          <a:p>
-            <a:pPr defTabSz="731520">
+            </a:lvl1pPr>
+          </a:lstStyle>
+          <a:p>
+            <a:pPr/>
+            <a:r>
+              <a:t>Losgistic Regression </a:t>
+            </a:r>
+          </a:p>
+        </p:txBody>
+      </p:sp>
+      <p:sp>
+        <p:nvSpPr>
+          <p:cNvPr id="207" name="Title 3"/>
+          <p:cNvSpPr txBox="1"/>
+          <p:nvPr/>
+        </p:nvSpPr>
+        <p:spPr>
+          <a:xfrm>
+            <a:off x="6324562" y="5621626"/>
+            <a:ext cx="4553019" cy="932444"/>
+          </a:xfrm>
+          <a:prstGeom prst="rect">
+            <a:avLst/>
+          </a:prstGeom>
+          <a:ln w="12700">
+            <a:miter lim="400000"/>
+          </a:ln>
+          <a:extLst>
+            <a:ext uri="{C572A759-6A51-4108-AA02-DFA0A04FC94B}">
+              <ma14:wrappingTextBoxFlag xmlns:ma14="http://schemas.microsoft.com/office/mac/drawingml/2011/main" val="1"/>
+            </a:ext>
+          </a:extLst>
+        </p:spPr>
+        <p:txBody>
+          <a:bodyPr lIns="45718" tIns="45718" rIns="45718" bIns="45718">
+            <a:normAutofit fontScale="100000" lnSpcReduction="0"/>
+          </a:bodyPr>
+          <a:lstStyle>
+            <a:lvl1pPr marL="481263" indent="-481263">
               <a:lnSpc>
                 <a:spcPct val="90000"/>
               </a:lnSpc>
-              <a:defRPr cap="all" sz="1920">
+              <a:buSzPct val="100000"/>
+              <a:buChar char="•"/>
+              <a:defRPr cap="all" sz="2400">
                 <a:latin typeface="Copperplate"/>
                 <a:ea typeface="Copperplate"/>
                 <a:cs typeface="Copperplate"/>
                 <a:sym typeface="Copperplate"/>
               </a:defRPr>
-            </a:pPr>
-          </a:p>
-          <a:p>
-            <a:pPr marL="385010" indent="-385010" defTabSz="731520">
+            </a:lvl1pPr>
+          </a:lstStyle>
+          <a:p>
+            <a:pPr/>
+            <a:r>
+              <a:t>Xgboost</a:t>
+            </a:r>
+          </a:p>
+        </p:txBody>
+      </p:sp>
+      <p:pic>
+        <p:nvPicPr>
+          <p:cNvPr id="208" name="Image" descr="Image"/>
+          <p:cNvPicPr>
+            <a:picLocks noChangeAspect="1"/>
+          </p:cNvPicPr>
+          <p:nvPr/>
+        </p:nvPicPr>
+        <p:blipFill>
+          <a:blip r:embed="rId5">
+            <a:extLst/>
+          </a:blip>
+          <a:stretch>
+            <a:fillRect/>
+          </a:stretch>
+        </p:blipFill>
+        <p:spPr>
+          <a:xfrm>
+            <a:off x="6338150" y="1387337"/>
+            <a:ext cx="5060561" cy="2683990"/>
+          </a:xfrm>
+          <a:prstGeom prst="rect">
+            <a:avLst/>
+          </a:prstGeom>
+          <a:ln w="12700">
+            <a:miter lim="400000"/>
+          </a:ln>
+        </p:spPr>
+      </p:pic>
+      <p:sp>
+        <p:nvSpPr>
+          <p:cNvPr id="209" name="Title 3"/>
+          <p:cNvSpPr txBox="1"/>
+          <p:nvPr/>
+        </p:nvSpPr>
+        <p:spPr>
+          <a:xfrm>
+            <a:off x="6214513" y="806257"/>
+            <a:ext cx="3332043" cy="517304"/>
+          </a:xfrm>
+          <a:prstGeom prst="rect">
+            <a:avLst/>
+          </a:prstGeom>
+          <a:ln w="12700">
+            <a:miter lim="400000"/>
+          </a:ln>
+          <a:extLst>
+            <a:ext uri="{C572A759-6A51-4108-AA02-DFA0A04FC94B}">
+              <ma14:wrappingTextBoxFlag xmlns:ma14="http://schemas.microsoft.com/office/mac/drawingml/2011/main" val="1"/>
+            </a:ext>
+          </a:extLst>
+        </p:spPr>
+        <p:txBody>
+          <a:bodyPr lIns="45718" tIns="45718" rIns="45718" bIns="45718">
+            <a:normAutofit fontScale="100000" lnSpcReduction="0"/>
+          </a:bodyPr>
+          <a:lstStyle>
+            <a:lvl1pPr marL="360947" indent="-360947" defTabSz="685800">
               <a:lnSpc>
                 <a:spcPct val="90000"/>
               </a:lnSpc>
               <a:buSzPct val="100000"/>
               <a:buChar char="•"/>
-              <a:defRPr cap="all" sz="1920">
+              <a:defRPr cap="all">
                 <a:latin typeface="Copperplate"/>
                 <a:ea typeface="Copperplate"/>
                 <a:cs typeface="Copperplate"/>
                 <a:sym typeface="Copperplate"/>
               </a:defRPr>
-            </a:pPr>
-            <a:r>
-              <a:t>Features Were Engineered and some log transformed based on distribution </a:t>
-            </a:r>
-          </a:p>
-        </p:txBody>
-      </p:sp>
-      <p:sp>
-        <p:nvSpPr>
-          <p:cNvPr id="196" name="Arrow"/>
-          <p:cNvSpPr/>
-          <p:nvPr/>
-        </p:nvSpPr>
-        <p:spPr>
-          <a:xfrm>
-            <a:off x="5380540" y="1428492"/>
-            <a:ext cx="1270001" cy="1270001"/>
-          </a:xfrm>
-          <a:prstGeom prst="rightArrow">
-            <a:avLst>
-              <a:gd name="adj1" fmla="val 32000"/>
-              <a:gd name="adj2" fmla="val 64000"/>
-            </a:avLst>
-          </a:prstGeom>
-          <a:solidFill>
-            <a:srgbClr val="000000"/>
-          </a:solidFill>
-          <a:ln w="25400">
-            <a:solidFill>
-              <a:schemeClr val="accent1"/>
-            </a:solidFill>
-          </a:ln>
-        </p:spPr>
-        <p:txBody>
-          <a:bodyPr lIns="45718" tIns="45718" rIns="45718" bIns="45718" anchor="ctr"/>
-          <a:lstStyle/>
-          <a:p>
-            <a:pPr/>
-          </a:p>
-        </p:txBody>
-      </p:sp>
-      <p:sp>
-        <p:nvSpPr>
-          <p:cNvPr id="197" name="Arrow"/>
-          <p:cNvSpPr/>
-          <p:nvPr/>
-        </p:nvSpPr>
-        <p:spPr>
-          <a:xfrm>
-            <a:off x="5380540" y="4760196"/>
-            <a:ext cx="1270001" cy="1270001"/>
-          </a:xfrm>
-          <a:prstGeom prst="rightArrow">
-            <a:avLst>
-              <a:gd name="adj1" fmla="val 32000"/>
-              <a:gd name="adj2" fmla="val 64000"/>
-            </a:avLst>
-          </a:prstGeom>
-          <a:solidFill>
-            <a:srgbClr val="000000"/>
-          </a:solidFill>
-          <a:ln w="25400">
-            <a:solidFill>
-              <a:schemeClr val="accent1"/>
-            </a:solidFill>
-          </a:ln>
-        </p:spPr>
-        <p:txBody>
-          <a:bodyPr lIns="45718" tIns="45718" rIns="45718" bIns="45718" anchor="ctr"/>
-          <a:lstStyle/>
-          <a:p>
-            <a:pPr/>
+            </a:lvl1pPr>
+          </a:lstStyle>
+          <a:p>
+            <a:pPr/>
+            <a:r>
+              <a:t>The Kaggle Results:</a:t>
+            </a:r>
           </a:p>
         </p:txBody>
       </p:sp>
@@ -6130,7 +6562,7 @@
       </p:grpSpPr>
       <p:pic>
         <p:nvPicPr>
-          <p:cNvPr id="199" name="Image" descr="Image"/>
+          <p:cNvPr id="211" name="Image" descr="Image"/>
           <p:cNvPicPr>
             <a:picLocks noChangeAspect="1"/>
           </p:cNvPicPr>
@@ -6159,864 +6591,7 @@
       </p:pic>
       <p:sp>
         <p:nvSpPr>
-          <p:cNvPr id="200" name="Title 3"/>
-          <p:cNvSpPr txBox="1"/>
-          <p:nvPr>
-            <p:ph type="title"/>
-          </p:nvPr>
-        </p:nvSpPr>
-        <p:spPr>
-          <a:xfrm>
-            <a:off x="703098" y="-13242"/>
-            <a:ext cx="12339535" cy="735758"/>
-          </a:xfrm>
-          <a:prstGeom prst="rect">
-            <a:avLst/>
-          </a:prstGeom>
-        </p:spPr>
-        <p:txBody>
-          <a:bodyPr anchor="t"/>
-          <a:lstStyle>
-            <a:lvl1pPr defTabSz="511148">
-              <a:lnSpc>
-                <a:spcPct val="90000"/>
-              </a:lnSpc>
-              <a:defRPr sz="2600">
-                <a:solidFill>
-                  <a:srgbClr val="2AF51D"/>
-                </a:solidFill>
-                <a:latin typeface="Arial Black"/>
-                <a:ea typeface="Arial Black"/>
-                <a:cs typeface="Arial Black"/>
-                <a:sym typeface="Arial Black"/>
-              </a:defRPr>
-            </a:lvl1pPr>
-          </a:lstStyle>
-          <a:p>
-            <a:pPr/>
-            <a:r>
-              <a:t>OVERVIEW OF THE MODELING PIPELINES: one Example</a:t>
-            </a:r>
-          </a:p>
-        </p:txBody>
-      </p:sp>
-      <p:sp>
-        <p:nvSpPr>
-          <p:cNvPr id="201" name="Title 3"/>
-          <p:cNvSpPr txBox="1"/>
-          <p:nvPr/>
-        </p:nvSpPr>
-        <p:spPr>
-          <a:xfrm>
-            <a:off x="99828" y="663316"/>
-            <a:ext cx="5048211" cy="1822474"/>
-          </a:xfrm>
-          <a:prstGeom prst="rect">
-            <a:avLst/>
-          </a:prstGeom>
-          <a:ln w="12700">
-            <a:miter lim="400000"/>
-          </a:ln>
-          <a:extLst>
-            <a:ext uri="{C572A759-6A51-4108-AA02-DFA0A04FC94B}">
-              <ma14:wrappingTextBoxFlag xmlns:ma14="http://schemas.microsoft.com/office/mac/drawingml/2011/main" val="1"/>
-            </a:ext>
-          </a:extLst>
-        </p:spPr>
-        <p:txBody>
-          <a:bodyPr lIns="45718" tIns="45718" rIns="45718" bIns="45718">
-            <a:normAutofit fontScale="100000" lnSpcReduction="0"/>
-          </a:bodyPr>
-          <a:lstStyle/>
-          <a:p>
-            <a:pPr marL="341696" indent="-341696" defTabSz="649223">
-              <a:lnSpc>
-                <a:spcPct val="90000"/>
-              </a:lnSpc>
-              <a:buSzPct val="100000"/>
-              <a:buChar char="•"/>
-              <a:defRPr cap="all" sz="1703">
-                <a:latin typeface="Copperplate"/>
-                <a:ea typeface="Copperplate"/>
-                <a:cs typeface="Copperplate"/>
-                <a:sym typeface="Copperplate"/>
-              </a:defRPr>
-            </a:pPr>
-            <a:r>
-              <a:t>THE Main PIPELINE CONSISTED OF A CATEGORICAL and NUMERICAL pipeline</a:t>
-            </a:r>
-            <a:br/>
-            <a:br/>
-          </a:p>
-          <a:p>
-            <a:pPr marL="341696" indent="-341696" defTabSz="649223">
-              <a:lnSpc>
-                <a:spcPct val="90000"/>
-              </a:lnSpc>
-              <a:buSzPct val="100000"/>
-              <a:buChar char="•"/>
-              <a:defRPr cap="all" sz="1703">
-                <a:latin typeface="Copperplate"/>
-                <a:ea typeface="Copperplate"/>
-                <a:cs typeface="Copperplate"/>
-                <a:sym typeface="Copperplate"/>
-              </a:defRPr>
-            </a:pPr>
-            <a:r>
-              <a:t>They were both combined into one pipeline and Grid Search Was performed on those PIPElines</a:t>
-            </a:r>
-            <a:br/>
-          </a:p>
-        </p:txBody>
-      </p:sp>
-      <p:sp>
-        <p:nvSpPr>
-          <p:cNvPr id="202" name="Title 3"/>
-          <p:cNvSpPr txBox="1"/>
-          <p:nvPr/>
-        </p:nvSpPr>
-        <p:spPr>
-          <a:xfrm>
-            <a:off x="155738" y="2517763"/>
-            <a:ext cx="4936392" cy="1822474"/>
-          </a:xfrm>
-          <a:prstGeom prst="rect">
-            <a:avLst/>
-          </a:prstGeom>
-          <a:ln w="12700">
-            <a:miter lim="400000"/>
-          </a:ln>
-          <a:extLst>
-            <a:ext uri="{C572A759-6A51-4108-AA02-DFA0A04FC94B}">
-              <ma14:wrappingTextBoxFlag xmlns:ma14="http://schemas.microsoft.com/office/mac/drawingml/2011/main" val="1"/>
-            </a:ext>
-          </a:extLst>
-        </p:spPr>
-        <p:txBody>
-          <a:bodyPr lIns="45718" tIns="45718" rIns="45718" bIns="45718">
-            <a:normAutofit fontScale="100000" lnSpcReduction="0"/>
-          </a:bodyPr>
-          <a:lstStyle/>
-          <a:p>
-            <a:pPr marL="360947" indent="-360947" defTabSz="685800">
-              <a:lnSpc>
-                <a:spcPct val="90000"/>
-              </a:lnSpc>
-              <a:buSzPct val="100000"/>
-              <a:buChar char="•"/>
-              <a:defRPr cap="all">
-                <a:latin typeface="Copperplate"/>
-                <a:ea typeface="Copperplate"/>
-                <a:cs typeface="Copperplate"/>
-                <a:sym typeface="Copperplate"/>
-              </a:defRPr>
-            </a:pPr>
-            <a:r>
-              <a:t>Using Eg. Logistic Regression The Model was tuned using hyperParameters C, Solver, and penalty.</a:t>
-            </a:r>
-            <a:br/>
-          </a:p>
-          <a:p>
-            <a:pPr marL="360947" indent="-360947" defTabSz="685800">
-              <a:lnSpc>
-                <a:spcPct val="90000"/>
-              </a:lnSpc>
-              <a:buSzPct val="100000"/>
-              <a:buChar char="•"/>
-              <a:defRPr cap="all">
-                <a:latin typeface="Copperplate"/>
-                <a:ea typeface="Copperplate"/>
-                <a:cs typeface="Copperplate"/>
-                <a:sym typeface="Copperplate"/>
-              </a:defRPr>
-            </a:pPr>
-            <a:r>
-              <a:t>The best Hyper Parameters were found to be:</a:t>
-            </a:r>
-          </a:p>
-        </p:txBody>
-      </p:sp>
-      <p:pic>
-        <p:nvPicPr>
-          <p:cNvPr id="203" name="Image" descr="Image"/>
-          <p:cNvPicPr>
-            <a:picLocks noChangeAspect="1"/>
-          </p:cNvPicPr>
-          <p:nvPr/>
-        </p:nvPicPr>
-        <p:blipFill>
-          <a:blip r:embed="rId3">
-            <a:extLst/>
-          </a:blip>
-          <a:stretch>
-            <a:fillRect/>
-          </a:stretch>
-        </p:blipFill>
-        <p:spPr>
-          <a:xfrm>
-            <a:off x="7129471" y="750972"/>
-            <a:ext cx="4936392" cy="5958851"/>
-          </a:xfrm>
-          <a:prstGeom prst="rect">
-            <a:avLst/>
-          </a:prstGeom>
-          <a:ln w="12700">
-            <a:miter lim="400000"/>
-          </a:ln>
-        </p:spPr>
-      </p:pic>
-      <p:pic>
-        <p:nvPicPr>
-          <p:cNvPr id="204" name="Image" descr="Image"/>
-          <p:cNvPicPr>
-            <a:picLocks noChangeAspect="1"/>
-          </p:cNvPicPr>
-          <p:nvPr/>
-        </p:nvPicPr>
-        <p:blipFill>
-          <a:blip r:embed="rId4">
-            <a:extLst/>
-          </a:blip>
-          <a:stretch>
-            <a:fillRect/>
-          </a:stretch>
-        </p:blipFill>
-        <p:spPr>
-          <a:xfrm>
-            <a:off x="218547" y="4272459"/>
-            <a:ext cx="6375147" cy="2271605"/>
-          </a:xfrm>
-          <a:prstGeom prst="rect">
-            <a:avLst/>
-          </a:prstGeom>
-          <a:ln w="12700">
-            <a:miter lim="400000"/>
-          </a:ln>
-        </p:spPr>
-      </p:pic>
-    </p:spTree>
-  </p:cSld>
-  <p:clrMapOvr>
-    <a:masterClrMapping/>
-  </p:clrMapOvr>
-  <p:transition xmlns:p14="http://schemas.microsoft.com/office/powerpoint/2010/main" spd="med" advClick="1"/>
-</p:sld>
-</file>
-
-<file path=ppt/slides/slide6.xml><?xml version="1.0" encoding="utf-8"?>
-<p:sld xmlns:a="http://schemas.openxmlformats.org/drawingml/2006/main" xmlns:r="http://schemas.openxmlformats.org/officeDocument/2006/relationships" xmlns:p="http://schemas.openxmlformats.org/presentationml/2006/main" xmlns:m="http://schemas.openxmlformats.org/officeDocument/2006/math" xmlns:a14="http://schemas.microsoft.com/office/drawing/2010/main" showMasterSp="1" showMasterPhAnim="1">
-  <p:cSld>
-    <p:spTree>
-      <p:nvGrpSpPr>
-        <p:cNvPr id="1" name=""/>
-        <p:cNvGrpSpPr/>
-        <p:nvPr/>
-      </p:nvGrpSpPr>
-      <p:grpSpPr>
-        <a:xfrm>
-          <a:off x="0" y="0"/>
-          <a:ext cx="0" cy="0"/>
-          <a:chOff x="0" y="0"/>
-          <a:chExt cx="0" cy="0"/>
-        </a:xfrm>
-      </p:grpSpPr>
-      <p:pic>
-        <p:nvPicPr>
-          <p:cNvPr id="206" name="Image" descr="Image"/>
-          <p:cNvPicPr>
-            <a:picLocks noChangeAspect="1"/>
-          </p:cNvPicPr>
-          <p:nvPr/>
-        </p:nvPicPr>
-        <p:blipFill>
-          <a:blip r:embed="rId2">
-            <a:extLst/>
-          </a:blip>
-          <a:stretch>
-            <a:fillRect/>
-          </a:stretch>
-        </p:blipFill>
-        <p:spPr>
-          <a:xfrm>
-            <a:off x="-1033735" y="-828542"/>
-            <a:ext cx="12766240" cy="8515084"/>
-          </a:xfrm>
-          <a:prstGeom prst="rect">
-            <a:avLst/>
-          </a:prstGeom>
-          <a:ln w="12700">
-            <a:miter lim="400000"/>
-          </a:ln>
-        </p:spPr>
-      </p:pic>
-      <p:sp>
-        <p:nvSpPr>
-          <p:cNvPr id="207" name="Title 3"/>
-          <p:cNvSpPr txBox="1"/>
-          <p:nvPr>
-            <p:ph type="title"/>
-          </p:nvPr>
-        </p:nvSpPr>
-        <p:spPr>
-          <a:xfrm>
-            <a:off x="195760" y="6723"/>
-            <a:ext cx="12339536" cy="735758"/>
-          </a:xfrm>
-          <a:prstGeom prst="rect">
-            <a:avLst/>
-          </a:prstGeom>
-        </p:spPr>
-        <p:txBody>
-          <a:bodyPr anchor="t"/>
-          <a:lstStyle>
-            <a:lvl1pPr defTabSz="708018">
-              <a:lnSpc>
-                <a:spcPct val="90000"/>
-              </a:lnSpc>
-              <a:defRPr>
-                <a:solidFill>
-                  <a:srgbClr val="23C63D"/>
-                </a:solidFill>
-                <a:latin typeface="Arial Black"/>
-                <a:ea typeface="Arial Black"/>
-                <a:cs typeface="Arial Black"/>
-                <a:sym typeface="Arial Black"/>
-              </a:defRPr>
-            </a:lvl1pPr>
-          </a:lstStyle>
-          <a:p>
-            <a:pPr/>
-            <a:r>
-              <a:t>Results and Discussion of the Results</a:t>
-            </a:r>
-          </a:p>
-        </p:txBody>
-      </p:sp>
-      <p:sp>
-        <p:nvSpPr>
-          <p:cNvPr id="208" name="Title 3"/>
-          <p:cNvSpPr txBox="1"/>
-          <p:nvPr/>
-        </p:nvSpPr>
-        <p:spPr>
-          <a:xfrm>
-            <a:off x="239473" y="1334801"/>
-            <a:ext cx="5631461" cy="1125616"/>
-          </a:xfrm>
-          <a:prstGeom prst="rect">
-            <a:avLst/>
-          </a:prstGeom>
-          <a:ln w="12700">
-            <a:miter lim="400000"/>
-          </a:ln>
-          <a:extLst>
-            <a:ext uri="{C572A759-6A51-4108-AA02-DFA0A04FC94B}">
-              <ma14:wrappingTextBoxFlag xmlns:ma14="http://schemas.microsoft.com/office/mac/drawingml/2011/main" val="1"/>
-            </a:ext>
-          </a:extLst>
-        </p:spPr>
-        <p:txBody>
-          <a:bodyPr lIns="45718" tIns="45718" rIns="45718" bIns="45718">
-            <a:normAutofit fontScale="100000" lnSpcReduction="0"/>
-          </a:bodyPr>
-          <a:lstStyle>
-            <a:lvl1pPr marL="404258" indent="-404258" defTabSz="768094">
-              <a:lnSpc>
-                <a:spcPct val="90000"/>
-              </a:lnSpc>
-              <a:buSzPct val="100000"/>
-              <a:buChar char="•"/>
-              <a:defRPr cap="all" sz="2000">
-                <a:latin typeface="Copperplate"/>
-                <a:ea typeface="Copperplate"/>
-                <a:cs typeface="Copperplate"/>
-                <a:sym typeface="Copperplate"/>
-              </a:defRPr>
-            </a:lvl1pPr>
-          </a:lstStyle>
-          <a:p>
-            <a:pPr/>
-            <a:r>
-              <a:t>Results From phase one Demonstrated A Model with the Test AUC to BE between .735-.745</a:t>
-            </a:r>
-          </a:p>
-        </p:txBody>
-      </p:sp>
-      <p:sp>
-        <p:nvSpPr>
-          <p:cNvPr id="209" name="Title 3"/>
-          <p:cNvSpPr txBox="1"/>
-          <p:nvPr/>
-        </p:nvSpPr>
-        <p:spPr>
-          <a:xfrm>
-            <a:off x="86658" y="4438619"/>
-            <a:ext cx="3903795" cy="1810303"/>
-          </a:xfrm>
-          <a:prstGeom prst="rect">
-            <a:avLst/>
-          </a:prstGeom>
-          <a:ln w="12700">
-            <a:miter lim="400000"/>
-          </a:ln>
-          <a:extLst>
-            <a:ext uri="{C572A759-6A51-4108-AA02-DFA0A04FC94B}">
-              <ma14:wrappingTextBoxFlag xmlns:ma14="http://schemas.microsoft.com/office/mac/drawingml/2011/main" val="1"/>
-            </a:ext>
-          </a:extLst>
-        </p:spPr>
-        <p:txBody>
-          <a:bodyPr lIns="45718" tIns="45718" rIns="45718" bIns="45718">
-            <a:normAutofit fontScale="100000" lnSpcReduction="0"/>
-          </a:bodyPr>
-          <a:lstStyle/>
-          <a:p>
-            <a:pPr marL="365759" indent="-365759" defTabSz="694944">
-              <a:lnSpc>
-                <a:spcPct val="90000"/>
-              </a:lnSpc>
-              <a:buSzPct val="100000"/>
-              <a:buChar char="•"/>
-              <a:defRPr cap="all" sz="1368">
-                <a:latin typeface="Copperplate"/>
-                <a:ea typeface="Copperplate"/>
-                <a:cs typeface="Copperplate"/>
-                <a:sym typeface="Copperplate"/>
-              </a:defRPr>
-            </a:pPr>
-            <a:r>
-              <a:t>In Phase 3 With additional feature engineering and log transformations from phase 2, The model Demonstrated a Test AUC of .7734, a recall of 0.9194 and Balanced Accuracy of 0.5113 using Logistic Regression </a:t>
-            </a:r>
-          </a:p>
-          <a:p>
-            <a:pPr defTabSz="694944">
-              <a:lnSpc>
-                <a:spcPct val="90000"/>
-              </a:lnSpc>
-              <a:defRPr cap="all" sz="1368">
-                <a:latin typeface="Copperplate"/>
-                <a:ea typeface="Copperplate"/>
-                <a:cs typeface="Copperplate"/>
-                <a:sym typeface="Copperplate"/>
-              </a:defRPr>
-            </a:pPr>
-          </a:p>
-          <a:p>
-            <a:pPr marL="365759" indent="-365759" defTabSz="694944">
-              <a:lnSpc>
-                <a:spcPct val="90000"/>
-              </a:lnSpc>
-              <a:buSzPct val="100000"/>
-              <a:buChar char="•"/>
-              <a:defRPr cap="all" sz="1368">
-                <a:latin typeface="Copperplate"/>
-                <a:ea typeface="Copperplate"/>
-                <a:cs typeface="Copperplate"/>
-                <a:sym typeface="Copperplate"/>
-              </a:defRPr>
-            </a:pPr>
-            <a:r>
-              <a:t>XgbOost gave a Test Auc of 0.7574, a Recall of 0.9182, and a Balanced Accuracy of 0.5319</a:t>
-            </a:r>
-          </a:p>
-        </p:txBody>
-      </p:sp>
-      <p:sp>
-        <p:nvSpPr>
-          <p:cNvPr id="210" name="Title 3"/>
-          <p:cNvSpPr txBox="1"/>
-          <p:nvPr/>
-        </p:nvSpPr>
-        <p:spPr>
-          <a:xfrm>
-            <a:off x="276106" y="2487918"/>
-            <a:ext cx="5558196" cy="1613343"/>
-          </a:xfrm>
-          <a:prstGeom prst="rect">
-            <a:avLst/>
-          </a:prstGeom>
-          <a:ln w="12700">
-            <a:miter lim="400000"/>
-          </a:ln>
-          <a:extLst>
-            <a:ext uri="{C572A759-6A51-4108-AA02-DFA0A04FC94B}">
-              <ma14:wrappingTextBoxFlag xmlns:ma14="http://schemas.microsoft.com/office/mac/drawingml/2011/main" val="1"/>
-            </a:ext>
-          </a:extLst>
-        </p:spPr>
-        <p:txBody>
-          <a:bodyPr lIns="45718" tIns="45718" rIns="45718" bIns="45718">
-            <a:normAutofit fontScale="100000" lnSpcReduction="0"/>
-          </a:bodyPr>
-          <a:lstStyle>
-            <a:lvl1pPr marL="400215" indent="-400215" defTabSz="760413">
-              <a:lnSpc>
-                <a:spcPct val="90000"/>
-              </a:lnSpc>
-              <a:buSzPct val="100000"/>
-              <a:buChar char="•"/>
-              <a:defRPr cap="all" sz="1979">
-                <a:latin typeface="Copperplate"/>
-                <a:ea typeface="Copperplate"/>
-                <a:cs typeface="Copperplate"/>
-                <a:sym typeface="Copperplate"/>
-              </a:defRPr>
-            </a:lvl1pPr>
-          </a:lstStyle>
-          <a:p>
-            <a:pPr/>
-            <a:r>
-              <a:t>Results From phase TWO AFTER EDA improved our accuracy as we rolled up data and aggregated them by ["min", "max", "count", "sum", "median", "mean", “var”] Demonstrated AN TEST AUC AT .7709</a:t>
-            </a:r>
-          </a:p>
-        </p:txBody>
-      </p:sp>
-      <p:pic>
-        <p:nvPicPr>
-          <p:cNvPr id="211" name="Image" descr="Image"/>
-          <p:cNvPicPr>
-            <a:picLocks noChangeAspect="1"/>
-          </p:cNvPicPr>
-          <p:nvPr/>
-        </p:nvPicPr>
-        <p:blipFill>
-          <a:blip r:embed="rId3">
-            <a:extLst/>
-          </a:blip>
-          <a:srcRect l="0" t="0" r="0" b="0"/>
-          <a:stretch>
-            <a:fillRect/>
-          </a:stretch>
-        </p:blipFill>
-        <p:spPr>
-          <a:xfrm>
-            <a:off x="4429109" y="5004735"/>
-            <a:ext cx="6520960" cy="420256"/>
-          </a:xfrm>
-          <a:prstGeom prst="rect">
-            <a:avLst/>
-          </a:prstGeom>
-          <a:ln w="12700">
-            <a:miter lim="400000"/>
-          </a:ln>
-        </p:spPr>
-      </p:pic>
-      <p:sp>
-        <p:nvSpPr>
           <p:cNvPr id="212" name="Title 3"/>
-          <p:cNvSpPr txBox="1"/>
-          <p:nvPr/>
-        </p:nvSpPr>
-        <p:spPr>
-          <a:xfrm>
-            <a:off x="4295906" y="4448669"/>
-            <a:ext cx="4553018" cy="932444"/>
-          </a:xfrm>
-          <a:prstGeom prst="rect">
-            <a:avLst/>
-          </a:prstGeom>
-          <a:ln w="12700">
-            <a:miter lim="400000"/>
-          </a:ln>
-          <a:extLst>
-            <a:ext uri="{C572A759-6A51-4108-AA02-DFA0A04FC94B}">
-              <ma14:wrappingTextBoxFlag xmlns:ma14="http://schemas.microsoft.com/office/mac/drawingml/2011/main" val="1"/>
-            </a:ext>
-          </a:extLst>
-        </p:spPr>
-        <p:txBody>
-          <a:bodyPr lIns="45718" tIns="45718" rIns="45718" bIns="45718">
-            <a:normAutofit fontScale="100000" lnSpcReduction="0"/>
-          </a:bodyPr>
-          <a:lstStyle>
-            <a:lvl1pPr marL="481263" indent="-481263">
-              <a:lnSpc>
-                <a:spcPct val="90000"/>
-              </a:lnSpc>
-              <a:buSzPct val="100000"/>
-              <a:buChar char="•"/>
-              <a:defRPr cap="all" sz="2400">
-                <a:latin typeface="Copperplate"/>
-                <a:ea typeface="Copperplate"/>
-                <a:cs typeface="Copperplate"/>
-                <a:sym typeface="Copperplate"/>
-              </a:defRPr>
-            </a:lvl1pPr>
-          </a:lstStyle>
-          <a:p>
-            <a:pPr/>
-            <a:r>
-              <a:t>PHASE 3</a:t>
-            </a:r>
-          </a:p>
-        </p:txBody>
-      </p:sp>
-      <p:pic>
-        <p:nvPicPr>
-          <p:cNvPr id="213" name="Image" descr="Image"/>
-          <p:cNvPicPr>
-            <a:picLocks noChangeAspect="1"/>
-          </p:cNvPicPr>
-          <p:nvPr/>
-        </p:nvPicPr>
-        <p:blipFill>
-          <a:blip r:embed="rId4">
-            <a:extLst/>
-          </a:blip>
-          <a:stretch>
-            <a:fillRect/>
-          </a:stretch>
-        </p:blipFill>
-        <p:spPr>
-          <a:xfrm>
-            <a:off x="4244484" y="5925742"/>
-            <a:ext cx="6703297" cy="324213"/>
-          </a:xfrm>
-          <a:prstGeom prst="rect">
-            <a:avLst/>
-          </a:prstGeom>
-          <a:ln w="12700">
-            <a:miter lim="400000"/>
-          </a:ln>
-        </p:spPr>
-      </p:pic>
-      <p:sp>
-        <p:nvSpPr>
-          <p:cNvPr id="214" name="Title 3"/>
-          <p:cNvSpPr txBox="1"/>
-          <p:nvPr/>
-        </p:nvSpPr>
-        <p:spPr>
-          <a:xfrm>
-            <a:off x="6470272" y="4641290"/>
-            <a:ext cx="4553018" cy="932444"/>
-          </a:xfrm>
-          <a:prstGeom prst="rect">
-            <a:avLst/>
-          </a:prstGeom>
-          <a:ln w="12700">
-            <a:miter lim="400000"/>
-          </a:ln>
-          <a:extLst>
-            <a:ext uri="{C572A759-6A51-4108-AA02-DFA0A04FC94B}">
-              <ma14:wrappingTextBoxFlag xmlns:ma14="http://schemas.microsoft.com/office/mac/drawingml/2011/main" val="1"/>
-            </a:ext>
-          </a:extLst>
-        </p:spPr>
-        <p:txBody>
-          <a:bodyPr lIns="45718" tIns="45718" rIns="45718" bIns="45718">
-            <a:normAutofit fontScale="100000" lnSpcReduction="0"/>
-          </a:bodyPr>
-          <a:lstStyle>
-            <a:lvl1pPr marL="481263" indent="-481263">
-              <a:lnSpc>
-                <a:spcPct val="90000"/>
-              </a:lnSpc>
-              <a:buSzPct val="100000"/>
-              <a:buChar char="•"/>
-              <a:defRPr cap="all" sz="2400">
-                <a:latin typeface="Copperplate"/>
-                <a:ea typeface="Copperplate"/>
-                <a:cs typeface="Copperplate"/>
-                <a:sym typeface="Copperplate"/>
-              </a:defRPr>
-            </a:lvl1pPr>
-          </a:lstStyle>
-          <a:p>
-            <a:pPr/>
-            <a:r>
-              <a:t>Losgistic Regression </a:t>
-            </a:r>
-          </a:p>
-        </p:txBody>
-      </p:sp>
-      <p:sp>
-        <p:nvSpPr>
-          <p:cNvPr id="215" name="Title 3"/>
-          <p:cNvSpPr txBox="1"/>
-          <p:nvPr/>
-        </p:nvSpPr>
-        <p:spPr>
-          <a:xfrm>
-            <a:off x="6324562" y="5621626"/>
-            <a:ext cx="4553019" cy="932444"/>
-          </a:xfrm>
-          <a:prstGeom prst="rect">
-            <a:avLst/>
-          </a:prstGeom>
-          <a:ln w="12700">
-            <a:miter lim="400000"/>
-          </a:ln>
-          <a:extLst>
-            <a:ext uri="{C572A759-6A51-4108-AA02-DFA0A04FC94B}">
-              <ma14:wrappingTextBoxFlag xmlns:ma14="http://schemas.microsoft.com/office/mac/drawingml/2011/main" val="1"/>
-            </a:ext>
-          </a:extLst>
-        </p:spPr>
-        <p:txBody>
-          <a:bodyPr lIns="45718" tIns="45718" rIns="45718" bIns="45718">
-            <a:normAutofit fontScale="100000" lnSpcReduction="0"/>
-          </a:bodyPr>
-          <a:lstStyle>
-            <a:lvl1pPr marL="481263" indent="-481263">
-              <a:lnSpc>
-                <a:spcPct val="90000"/>
-              </a:lnSpc>
-              <a:buSzPct val="100000"/>
-              <a:buChar char="•"/>
-              <a:defRPr cap="all" sz="2400">
-                <a:latin typeface="Copperplate"/>
-                <a:ea typeface="Copperplate"/>
-                <a:cs typeface="Copperplate"/>
-                <a:sym typeface="Copperplate"/>
-              </a:defRPr>
-            </a:lvl1pPr>
-          </a:lstStyle>
-          <a:p>
-            <a:pPr/>
-            <a:r>
-              <a:t>Xgboost</a:t>
-            </a:r>
-          </a:p>
-        </p:txBody>
-      </p:sp>
-      <p:pic>
-        <p:nvPicPr>
-          <p:cNvPr id="216" name="Image" descr="Image"/>
-          <p:cNvPicPr>
-            <a:picLocks noChangeAspect="1"/>
-          </p:cNvPicPr>
-          <p:nvPr/>
-        </p:nvPicPr>
-        <p:blipFill>
-          <a:blip r:embed="rId5">
-            <a:extLst/>
-          </a:blip>
-          <a:stretch>
-            <a:fillRect/>
-          </a:stretch>
-        </p:blipFill>
-        <p:spPr>
-          <a:xfrm>
-            <a:off x="6338150" y="1387337"/>
-            <a:ext cx="5060561" cy="2683990"/>
-          </a:xfrm>
-          <a:prstGeom prst="rect">
-            <a:avLst/>
-          </a:prstGeom>
-          <a:ln w="12700">
-            <a:miter lim="400000"/>
-          </a:ln>
-        </p:spPr>
-      </p:pic>
-      <p:sp>
-        <p:nvSpPr>
-          <p:cNvPr id="217" name="Title 3"/>
-          <p:cNvSpPr txBox="1"/>
-          <p:nvPr/>
-        </p:nvSpPr>
-        <p:spPr>
-          <a:xfrm>
-            <a:off x="6214513" y="806257"/>
-            <a:ext cx="3332043" cy="517304"/>
-          </a:xfrm>
-          <a:prstGeom prst="rect">
-            <a:avLst/>
-          </a:prstGeom>
-          <a:ln w="12700">
-            <a:miter lim="400000"/>
-          </a:ln>
-          <a:extLst>
-            <a:ext uri="{C572A759-6A51-4108-AA02-DFA0A04FC94B}">
-              <ma14:wrappingTextBoxFlag xmlns:ma14="http://schemas.microsoft.com/office/mac/drawingml/2011/main" val="1"/>
-            </a:ext>
-          </a:extLst>
-        </p:spPr>
-        <p:txBody>
-          <a:bodyPr lIns="45718" tIns="45718" rIns="45718" bIns="45718">
-            <a:normAutofit fontScale="100000" lnSpcReduction="0"/>
-          </a:bodyPr>
-          <a:lstStyle>
-            <a:lvl1pPr marL="360947" indent="-360947" defTabSz="685800">
-              <a:lnSpc>
-                <a:spcPct val="90000"/>
-              </a:lnSpc>
-              <a:buSzPct val="100000"/>
-              <a:buChar char="•"/>
-              <a:defRPr cap="all">
-                <a:latin typeface="Copperplate"/>
-                <a:ea typeface="Copperplate"/>
-                <a:cs typeface="Copperplate"/>
-                <a:sym typeface="Copperplate"/>
-              </a:defRPr>
-            </a:lvl1pPr>
-          </a:lstStyle>
-          <a:p>
-            <a:pPr/>
-            <a:r>
-              <a:t>The Kaggle Results:</a:t>
-            </a:r>
-          </a:p>
-        </p:txBody>
-      </p:sp>
-    </p:spTree>
-  </p:cSld>
-  <p:clrMapOvr>
-    <a:masterClrMapping/>
-  </p:clrMapOvr>
-  <p:transition xmlns:p14="http://schemas.microsoft.com/office/powerpoint/2010/main" spd="med" advClick="1"/>
-</p:sld>
-</file>
-
-<file path=ppt/slides/slide7.xml><?xml version="1.0" encoding="utf-8"?>
-<p:sld xmlns:a="http://schemas.openxmlformats.org/drawingml/2006/main" xmlns:r="http://schemas.openxmlformats.org/officeDocument/2006/relationships" xmlns:p="http://schemas.openxmlformats.org/presentationml/2006/main" xmlns:m="http://schemas.openxmlformats.org/officeDocument/2006/math" xmlns:a14="http://schemas.microsoft.com/office/drawing/2010/main" showMasterSp="1" showMasterPhAnim="1">
-  <p:cSld>
-    <p:spTree>
-      <p:nvGrpSpPr>
-        <p:cNvPr id="1" name=""/>
-        <p:cNvGrpSpPr/>
-        <p:nvPr/>
-      </p:nvGrpSpPr>
-      <p:grpSpPr>
-        <a:xfrm>
-          <a:off x="0" y="0"/>
-          <a:ext cx="0" cy="0"/>
-          <a:chOff x="0" y="0"/>
-          <a:chExt cx="0" cy="0"/>
-        </a:xfrm>
-      </p:grpSpPr>
-      <p:pic>
-        <p:nvPicPr>
-          <p:cNvPr id="219" name="Image" descr="Image"/>
-          <p:cNvPicPr>
-            <a:picLocks noChangeAspect="1"/>
-          </p:cNvPicPr>
-          <p:nvPr/>
-        </p:nvPicPr>
-        <p:blipFill>
-          <a:blip r:embed="rId2">
-            <a:extLst/>
-          </a:blip>
-          <a:stretch>
-            <a:fillRect/>
-          </a:stretch>
-        </p:blipFill>
-        <p:spPr>
-          <a:xfrm>
-            <a:off x="-595345" y="-828542"/>
-            <a:ext cx="12766241" cy="8515084"/>
-          </a:xfrm>
-          <a:prstGeom prst="rect">
-            <a:avLst/>
-          </a:prstGeom>
-          <a:ln w="12700">
-            <a:miter lim="400000"/>
-          </a:ln>
-        </p:spPr>
-      </p:pic>
-      <p:sp>
-        <p:nvSpPr>
-          <p:cNvPr id="220" name="Title 3"/>
           <p:cNvSpPr txBox="1"/>
           <p:nvPr>
             <p:ph type="title"/>
@@ -7059,7 +6634,7 @@
       </p:sp>
       <p:sp>
         <p:nvSpPr>
-          <p:cNvPr id="221" name="Title 3"/>
+          <p:cNvPr id="213" name="Title 3"/>
           <p:cNvSpPr txBox="1"/>
           <p:nvPr/>
         </p:nvSpPr>
@@ -7086,13 +6661,13 @@
           </a:bodyPr>
           <a:lstStyle/>
           <a:p>
-            <a:pPr marL="433136" indent="-433136" defTabSz="822959">
+            <a:pPr marL="481263" indent="-481263">
               <a:lnSpc>
                 <a:spcPct val="90000"/>
               </a:lnSpc>
               <a:buSzPct val="100000"/>
               <a:buChar char="•"/>
-              <a:defRPr cap="all" sz="2159">
+              <a:defRPr cap="all" sz="1400">
                 <a:latin typeface="Copperplate"/>
                 <a:ea typeface="Copperplate"/>
                 <a:cs typeface="Copperplate"/>
@@ -7105,13 +6680,13 @@
             <a:br/>
           </a:p>
           <a:p>
-            <a:pPr marL="433136" indent="-433136" defTabSz="822959">
+            <a:pPr marL="481263" indent="-481263">
               <a:lnSpc>
                 <a:spcPct val="90000"/>
               </a:lnSpc>
               <a:buSzPct val="100000"/>
               <a:buChar char="•"/>
-              <a:defRPr cap="all" sz="2159">
+              <a:defRPr cap="all" sz="1400">
                 <a:latin typeface="Copperplate"/>
                 <a:ea typeface="Copperplate"/>
                 <a:cs typeface="Copperplate"/>
@@ -7124,13 +6699,13 @@
             <a:br/>
           </a:p>
           <a:p>
-            <a:pPr marL="433136" indent="-433136" defTabSz="822959">
+            <a:pPr marL="481263" indent="-481263">
               <a:lnSpc>
                 <a:spcPct val="90000"/>
               </a:lnSpc>
               <a:buSzPct val="100000"/>
               <a:buChar char="•"/>
-              <a:defRPr cap="all" sz="2159">
+              <a:defRPr cap="all" sz="1400">
                 <a:latin typeface="Copperplate"/>
                 <a:ea typeface="Copperplate"/>
                 <a:cs typeface="Copperplate"/>
@@ -7138,18 +6713,18 @@
               </a:defRPr>
             </a:pPr>
             <a:r>
-              <a:t>In Phase 1 the Baseline Features Returned 0.7478, 0.7472, 0.7434 for Train AUC, Valid AUC, and Test AUC Respectively. </a:t>
+              <a:t>The importance of feature Engineering and EDA has been highlighted in the three phase.</a:t>
             </a:r>
             <a:br/>
           </a:p>
           <a:p>
-            <a:pPr marL="433136" indent="-433136" defTabSz="822959">
+            <a:pPr marL="481263" indent="-481263">
               <a:lnSpc>
                 <a:spcPct val="90000"/>
               </a:lnSpc>
               <a:buSzPct val="100000"/>
               <a:buChar char="•"/>
-              <a:defRPr cap="all" sz="2159">
+              <a:defRPr cap="all" sz="1400">
                 <a:latin typeface="Copperplate"/>
                 <a:ea typeface="Copperplate"/>
                 <a:cs typeface="Copperplate"/>
@@ -7157,18 +6732,47 @@
               </a:defRPr>
             </a:pPr>
             <a:r>
-              <a:t>In Phase 2 After Aggregation and further EDA The AUC measures were 0.7724, 0.7585, 0.7623 for Train AUC, Valid AUC, and Test AUC Respectively. </a:t>
-            </a:r>
-            <a:br/>
-          </a:p>
-          <a:p>
-            <a:pPr marL="433136" indent="-433136" defTabSz="822959">
+              <a:t>At this point further feature engineering could help improve our model and a multilayer PerCeptron.</a:t>
+            </a:r>
+          </a:p>
+        </p:txBody>
+      </p:sp>
+      <p:sp>
+        <p:nvSpPr>
+          <p:cNvPr id="214" name="Title 3"/>
+          <p:cNvSpPr txBox="1"/>
+          <p:nvPr/>
+        </p:nvSpPr>
+        <p:spPr>
+          <a:xfrm>
+            <a:off x="54560" y="3520323"/>
+            <a:ext cx="5861327" cy="2862834"/>
+          </a:xfrm>
+          <a:prstGeom prst="rect">
+            <a:avLst/>
+          </a:prstGeom>
+          <a:ln w="12700">
+            <a:miter lim="400000"/>
+          </a:ln>
+          <a:extLst>
+            <a:ext uri="{C572A759-6A51-4108-AA02-DFA0A04FC94B}">
+              <ma14:wrappingTextBoxFlag xmlns:ma14="http://schemas.microsoft.com/office/mac/drawingml/2011/main" val="1"/>
+            </a:ext>
+          </a:extLst>
+        </p:spPr>
+        <p:txBody>
+          <a:bodyPr lIns="45718" tIns="45718" rIns="45718" bIns="45718">
+            <a:normAutofit fontScale="100000" lnSpcReduction="0"/>
+          </a:bodyPr>
+          <a:lstStyle/>
+          <a:p>
+            <a:pPr marL="255645" indent="-255645" defTabSz="485728">
               <a:lnSpc>
                 <a:spcPct val="90000"/>
               </a:lnSpc>
               <a:buSzPct val="100000"/>
               <a:buChar char="•"/>
-              <a:defRPr cap="all" sz="2159">
+              <a:defRPr cap="all" sz="1411">
                 <a:latin typeface="Copperplate"/>
                 <a:ea typeface="Copperplate"/>
                 <a:cs typeface="Copperplate"/>
@@ -7176,18 +6780,23 @@
               </a:defRPr>
             </a:pPr>
             <a:r>
-              <a:t>In phase 3 after further specific feature engineering .7750, .7698, and .7734 for Train AUC, Valid AUC, and Test AUC.</a:t>
+              <a:t>PAST PHASE Tasks</a:t>
             </a:r>
             <a:br/>
-          </a:p>
-          <a:p>
-            <a:pPr marL="433136" indent="-433136" defTabSz="822959">
+            <a:br/>
+            <a:r>
+              <a:t>In The previous phases we completed data description, model building, data merging, and model testing. This was improved by EDA and Data Aggregations which were used to improve the model and predictive ability.</a:t>
+            </a:r>
+            <a:br/>
+          </a:p>
+          <a:p>
+            <a:pPr marL="247657" indent="-247657" defTabSz="470549">
               <a:lnSpc>
                 <a:spcPct val="90000"/>
               </a:lnSpc>
               <a:buSzPct val="100000"/>
               <a:buChar char="•"/>
-              <a:defRPr cap="all" sz="2159">
+              <a:defRPr cap="all" sz="1411">
                 <a:latin typeface="Copperplate"/>
                 <a:ea typeface="Copperplate"/>
                 <a:cs typeface="Copperplate"/>
@@ -7195,18 +6804,52 @@
               </a:defRPr>
             </a:pPr>
             <a:r>
-              <a:t>The importance of feature Engineering and EDA has been highlighted in the three phase.</a:t>
+              <a:t>PHASE 3 Tasks</a:t>
             </a:r>
             <a:br/>
-          </a:p>
-          <a:p>
-            <a:pPr marL="433136" indent="-433136" defTabSz="822959">
+            <a:br/>
+            <a:r>
+              <a:t>In phase 3 HyperParameters and feature engineering was done to improve the overall model’s predicability. A collinearity reducer was introduced for feature selection which improved performance dramatically but underperformed in Test AUC. Overall we were able to improve our AUC by .3-.4.</a:t>
+            </a:r>
+          </a:p>
+        </p:txBody>
+      </p:sp>
+      <p:sp>
+        <p:nvSpPr>
+          <p:cNvPr id="215" name="Title 3"/>
+          <p:cNvSpPr txBox="1"/>
+          <p:nvPr/>
+        </p:nvSpPr>
+        <p:spPr>
+          <a:xfrm>
+            <a:off x="5954436" y="3520323"/>
+            <a:ext cx="5861327" cy="2862834"/>
+          </a:xfrm>
+          <a:prstGeom prst="rect">
+            <a:avLst/>
+          </a:prstGeom>
+          <a:ln w="12700">
+            <a:miter lim="400000"/>
+          </a:ln>
+          <a:extLst>
+            <a:ext uri="{C572A759-6A51-4108-AA02-DFA0A04FC94B}">
+              <ma14:wrappingTextBoxFlag xmlns:ma14="http://schemas.microsoft.com/office/mac/drawingml/2011/main" val="1"/>
+            </a:ext>
+          </a:extLst>
+        </p:spPr>
+        <p:txBody>
+          <a:bodyPr lIns="45718" tIns="45718" rIns="45718" bIns="45718">
+            <a:normAutofit fontScale="100000" lnSpcReduction="0"/>
+          </a:bodyPr>
+          <a:lstStyle/>
+          <a:p>
+            <a:pPr marL="346508" indent="-346508" defTabSz="658368">
               <a:lnSpc>
                 <a:spcPct val="90000"/>
               </a:lnSpc>
               <a:buSzPct val="100000"/>
               <a:buChar char="•"/>
-              <a:defRPr cap="all" sz="2159">
+              <a:defRPr cap="all" sz="1500">
                 <a:latin typeface="Copperplate"/>
                 <a:ea typeface="Copperplate"/>
                 <a:cs typeface="Copperplate"/>
@@ -7214,57 +6857,56 @@
               </a:defRPr>
             </a:pPr>
             <a:r>
-              <a:t>At this point further feature engineering could help improve our model and a multilayer PerCeptron.</a:t>
-            </a:r>
-          </a:p>
-        </p:txBody>
-      </p:sp>
-    </p:spTree>
-  </p:cSld>
-  <p:clrMapOvr>
-    <a:masterClrMapping/>
-  </p:clrMapOvr>
-  <p:transition xmlns:p14="http://schemas.microsoft.com/office/powerpoint/2010/main" spd="med" advClick="1"/>
-</p:sld>
-</file>
-
-<file path=ppt/slides/slide8.xml><?xml version="1.0" encoding="utf-8"?>
-<p:sld xmlns:a="http://schemas.openxmlformats.org/drawingml/2006/main" xmlns:r="http://schemas.openxmlformats.org/officeDocument/2006/relationships" xmlns:p="http://schemas.openxmlformats.org/presentationml/2006/main" xmlns:m="http://schemas.openxmlformats.org/officeDocument/2006/math" xmlns:a14="http://schemas.microsoft.com/office/drawing/2010/main" showMasterSp="1" showMasterPhAnim="1">
-  <p:cSld>
-    <p:spTree>
-      <p:nvGrpSpPr>
-        <p:cNvPr id="1" name=""/>
-        <p:cNvGrpSpPr/>
-        <p:nvPr/>
-      </p:nvGrpSpPr>
-      <p:grpSpPr>
-        <a:xfrm>
-          <a:off x="0" y="0"/>
-          <a:ext cx="0" cy="0"/>
-          <a:chOff x="0" y="0"/>
-          <a:chExt cx="0" cy="0"/>
-        </a:xfrm>
-      </p:grpSpPr>
-      <p:pic>
-        <p:nvPicPr>
-          <p:cNvPr id="223" name="Image" descr="Image"/>
-          <p:cNvPicPr>
-            <a:picLocks noChangeAspect="1"/>
-          </p:cNvPicPr>
+              <a:t>NEXT PHASE tasks</a:t>
+            </a:r>
+            <a:br/>
+            <a:r>
+              <a:t>The Plan for the next phase will be to build a multiLayer perceptron to build a model along with any more feature Engineering. </a:t>
+            </a:r>
+            <a:br/>
+            <a:br/>
+            <a:br/>
+          </a:p>
+          <a:p>
+            <a:pPr marL="346508" indent="-346508" defTabSz="658368">
+              <a:lnSpc>
+                <a:spcPct val="90000"/>
+              </a:lnSpc>
+              <a:buSzPct val="100000"/>
+              <a:buChar char="•"/>
+              <a:defRPr cap="all" sz="1500">
+                <a:latin typeface="Copperplate"/>
+                <a:ea typeface="Copperplate"/>
+                <a:cs typeface="Copperplate"/>
+                <a:sym typeface="Copperplate"/>
+              </a:defRPr>
+            </a:pPr>
+            <a:r>
+              <a:t>Problems</a:t>
+            </a:r>
+            <a:br/>
+            <a:br/>
+            <a:r>
+              <a:t>hyper-parAmeter tuning model took a substantial time.</a:t>
+            </a:r>
+            <a:br/>
+            <a:br/>
+            <a:r>
+              <a:t>Model training on 100% of the data was raised challenges due to hardware limitations.</a:t>
+            </a:r>
+          </a:p>
+        </p:txBody>
+      </p:sp>
+      <p:sp>
+        <p:nvSpPr>
+          <p:cNvPr id="216" name="Title 3"/>
+          <p:cNvSpPr txBox="1"/>
           <p:nvPr/>
-        </p:nvPicPr>
-        <p:blipFill>
-          <a:blip r:embed="rId2">
-            <a:extLst/>
-          </a:blip>
-          <a:stretch>
-            <a:fillRect/>
-          </a:stretch>
-        </p:blipFill>
-        <p:spPr>
-          <a:xfrm>
-            <a:off x="-595345" y="-828542"/>
-            <a:ext cx="12766241" cy="8515084"/>
+        </p:nvSpPr>
+        <p:spPr>
+          <a:xfrm>
+            <a:off x="171635" y="2811397"/>
+            <a:ext cx="11380242" cy="511279"/>
           </a:xfrm>
           <a:prstGeom prst="rect">
             <a:avLst/>
@@ -7272,31 +6914,23 @@
           <a:ln w="12700">
             <a:miter lim="400000"/>
           </a:ln>
-        </p:spPr>
-      </p:pic>
-      <p:sp>
-        <p:nvSpPr>
-          <p:cNvPr id="224" name="Title 3"/>
-          <p:cNvSpPr txBox="1"/>
-          <p:nvPr>
-            <p:ph type="title"/>
-          </p:nvPr>
-        </p:nvSpPr>
-        <p:spPr>
-          <a:xfrm>
-            <a:off x="109836" y="-31343"/>
-            <a:ext cx="12339536" cy="1091768"/>
-          </a:xfrm>
-          <a:prstGeom prst="rect">
-            <a:avLst/>
-          </a:prstGeom>
-        </p:spPr>
-        <p:txBody>
-          <a:bodyPr anchor="t"/>
+          <a:extLst>
+            <a:ext uri="{C572A759-6A51-4108-AA02-DFA0A04FC94B}">
+              <ma14:wrappingTextBoxFlag xmlns:ma14="http://schemas.microsoft.com/office/mac/drawingml/2011/main" val="1"/>
+            </a:ext>
+          </a:extLst>
+        </p:spPr>
+        <p:txBody>
+          <a:bodyPr lIns="45718" tIns="45718" rIns="45718" bIns="45718">
+            <a:normAutofit fontScale="100000" lnSpcReduction="0"/>
+          </a:bodyPr>
           <a:lstStyle/>
           <a:p>
-            <a:pPr lvl="1" algn="ctr" defTabSz="557783">
-              <a:defRPr sz="2900">
+            <a:pPr lvl="1" algn="ctr" defTabSz="451804">
+              <a:lnSpc>
+                <a:spcPct val="90000"/>
+              </a:lnSpc>
+              <a:defRPr cap="all" sz="2349">
                 <a:solidFill>
                   <a:srgbClr val="3FD032"/>
                 </a:solidFill>
@@ -7308,319 +6942,6 @@
             </a:pPr>
             <a:r>
               <a:t>THE FOUR P’s: Past, Present, Next Phase Plan, and Problems</a:t>
-            </a:r>
-          </a:p>
-        </p:txBody>
-      </p:sp>
-      <p:sp>
-        <p:nvSpPr>
-          <p:cNvPr id="225" name="Title 3"/>
-          <p:cNvSpPr txBox="1"/>
-          <p:nvPr/>
-        </p:nvSpPr>
-        <p:spPr>
-          <a:xfrm>
-            <a:off x="41387" y="1119002"/>
-            <a:ext cx="5861326" cy="2862834"/>
-          </a:xfrm>
-          <a:prstGeom prst="rect">
-            <a:avLst/>
-          </a:prstGeom>
-          <a:ln w="12700">
-            <a:miter lim="400000"/>
-          </a:ln>
-          <a:extLst>
-            <a:ext uri="{C572A759-6A51-4108-AA02-DFA0A04FC94B}">
-              <ma14:wrappingTextBoxFlag xmlns:ma14="http://schemas.microsoft.com/office/mac/drawingml/2011/main" val="1"/>
-            </a:ext>
-          </a:extLst>
-        </p:spPr>
-        <p:txBody>
-          <a:bodyPr lIns="45718" tIns="45718" rIns="45718" bIns="45718">
-            <a:normAutofit fontScale="100000" lnSpcReduction="0"/>
-          </a:bodyPr>
-          <a:lstStyle/>
-          <a:p>
-            <a:pPr marL="308006" indent="-308006" defTabSz="585215">
-              <a:lnSpc>
-                <a:spcPct val="90000"/>
-              </a:lnSpc>
-              <a:buSzPct val="100000"/>
-              <a:buChar char="•"/>
-              <a:defRPr cap="all" sz="1700">
-                <a:latin typeface="Copperplate"/>
-                <a:ea typeface="Copperplate"/>
-                <a:cs typeface="Copperplate"/>
-                <a:sym typeface="Copperplate"/>
-              </a:defRPr>
-            </a:pPr>
-            <a:r>
-              <a:t>PAST PHASE Tasks</a:t>
-            </a:r>
-            <a:br/>
-          </a:p>
-          <a:p>
-            <a:pPr lvl="2" marL="308006" indent="-308006" defTabSz="585215">
-              <a:lnSpc>
-                <a:spcPct val="90000"/>
-              </a:lnSpc>
-              <a:buSzPct val="100000"/>
-              <a:buChar char="•"/>
-              <a:defRPr cap="all" sz="1700">
-                <a:latin typeface="Copperplate"/>
-                <a:ea typeface="Copperplate"/>
-                <a:cs typeface="Copperplate"/>
-                <a:sym typeface="Copperplate"/>
-              </a:defRPr>
-            </a:pPr>
-            <a:r>
-              <a:t>In The previous phases we completed data description, model building, data merging, and model testing. This was improved by EDA and Data Aggregations which were used to improve the model and predictive ability.</a:t>
-            </a:r>
-          </a:p>
-        </p:txBody>
-      </p:sp>
-      <p:sp>
-        <p:nvSpPr>
-          <p:cNvPr id="226" name="Title 3"/>
-          <p:cNvSpPr txBox="1"/>
-          <p:nvPr/>
-        </p:nvSpPr>
-        <p:spPr>
-          <a:xfrm>
-            <a:off x="5958919" y="3923741"/>
-            <a:ext cx="5861327" cy="2862834"/>
-          </a:xfrm>
-          <a:prstGeom prst="rect">
-            <a:avLst/>
-          </a:prstGeom>
-          <a:ln w="12700">
-            <a:miter lim="400000"/>
-          </a:ln>
-          <a:extLst>
-            <a:ext uri="{C572A759-6A51-4108-AA02-DFA0A04FC94B}">
-              <ma14:wrappingTextBoxFlag xmlns:ma14="http://schemas.microsoft.com/office/mac/drawingml/2011/main" val="1"/>
-            </a:ext>
-          </a:extLst>
-        </p:spPr>
-        <p:txBody>
-          <a:bodyPr lIns="45718" tIns="45718" rIns="45718" bIns="45718">
-            <a:normAutofit fontScale="100000" lnSpcReduction="0"/>
-          </a:bodyPr>
-          <a:lstStyle/>
-          <a:p>
-            <a:pPr marL="447573" indent="-447573" defTabSz="850391">
-              <a:lnSpc>
-                <a:spcPct val="90000"/>
-              </a:lnSpc>
-              <a:buSzPct val="100000"/>
-              <a:buChar char="•"/>
-              <a:defRPr cap="all" sz="2000">
-                <a:latin typeface="Copperplate"/>
-                <a:ea typeface="Copperplate"/>
-                <a:cs typeface="Copperplate"/>
-                <a:sym typeface="Copperplate"/>
-              </a:defRPr>
-            </a:pPr>
-            <a:r>
-              <a:t>Problems</a:t>
-            </a:r>
-          </a:p>
-          <a:p>
-            <a:pPr defTabSz="850391">
-              <a:lnSpc>
-                <a:spcPct val="90000"/>
-              </a:lnSpc>
-              <a:defRPr cap="all" sz="2000">
-                <a:latin typeface="Copperplate"/>
-                <a:ea typeface="Copperplate"/>
-                <a:cs typeface="Copperplate"/>
-                <a:sym typeface="Copperplate"/>
-              </a:defRPr>
-            </a:pPr>
-          </a:p>
-          <a:p>
-            <a:pPr marL="447573" indent="-447573" defTabSz="850391">
-              <a:lnSpc>
-                <a:spcPct val="90000"/>
-              </a:lnSpc>
-              <a:buSzPct val="100000"/>
-              <a:buChar char="•"/>
-              <a:defRPr cap="all" sz="2000">
-                <a:latin typeface="Copperplate"/>
-                <a:ea typeface="Copperplate"/>
-                <a:cs typeface="Copperplate"/>
-                <a:sym typeface="Copperplate"/>
-              </a:defRPr>
-            </a:pPr>
-            <a:r>
-              <a:t>hyper-parAmeter tuning model took a substantial time.</a:t>
-            </a:r>
-          </a:p>
-          <a:p>
-            <a:pPr marL="447573" indent="-447573" defTabSz="850391">
-              <a:lnSpc>
-                <a:spcPct val="90000"/>
-              </a:lnSpc>
-              <a:buSzPct val="100000"/>
-              <a:buChar char="•"/>
-              <a:defRPr cap="all" sz="2000">
-                <a:latin typeface="Copperplate"/>
-                <a:ea typeface="Copperplate"/>
-                <a:cs typeface="Copperplate"/>
-                <a:sym typeface="Copperplate"/>
-              </a:defRPr>
-            </a:pPr>
-          </a:p>
-          <a:p>
-            <a:pPr marL="447573" indent="-447573" defTabSz="850391">
-              <a:lnSpc>
-                <a:spcPct val="90000"/>
-              </a:lnSpc>
-              <a:buSzPct val="100000"/>
-              <a:buChar char="•"/>
-              <a:defRPr cap="all" sz="2000">
-                <a:latin typeface="Copperplate"/>
-                <a:ea typeface="Copperplate"/>
-                <a:cs typeface="Copperplate"/>
-                <a:sym typeface="Copperplate"/>
-              </a:defRPr>
-            </a:pPr>
-            <a:r>
-              <a:t>Model training on 100% of the data was raised challenges due to hardware limitations.</a:t>
-            </a:r>
-          </a:p>
-        </p:txBody>
-      </p:sp>
-      <p:sp>
-        <p:nvSpPr>
-          <p:cNvPr id="227" name="Title 3"/>
-          <p:cNvSpPr txBox="1"/>
-          <p:nvPr/>
-        </p:nvSpPr>
-        <p:spPr>
-          <a:xfrm>
-            <a:off x="5958919" y="1012366"/>
-            <a:ext cx="5861327" cy="2862834"/>
-          </a:xfrm>
-          <a:prstGeom prst="rect">
-            <a:avLst/>
-          </a:prstGeom>
-          <a:ln w="12700">
-            <a:miter lim="400000"/>
-          </a:ln>
-          <a:extLst>
-            <a:ext uri="{C572A759-6A51-4108-AA02-DFA0A04FC94B}">
-              <ma14:wrappingTextBoxFlag xmlns:ma14="http://schemas.microsoft.com/office/mac/drawingml/2011/main" val="1"/>
-            </a:ext>
-          </a:extLst>
-        </p:spPr>
-        <p:txBody>
-          <a:bodyPr lIns="45718" tIns="45718" rIns="45718" bIns="45718">
-            <a:normAutofit fontScale="100000" lnSpcReduction="0"/>
-          </a:bodyPr>
-          <a:lstStyle/>
-          <a:p>
-            <a:pPr marL="298382" indent="-298382" defTabSz="566927">
-              <a:lnSpc>
-                <a:spcPct val="90000"/>
-              </a:lnSpc>
-              <a:buSzPct val="100000"/>
-              <a:buChar char="•"/>
-              <a:defRPr cap="all" sz="1700">
-                <a:latin typeface="Copperplate"/>
-                <a:ea typeface="Copperplate"/>
-                <a:cs typeface="Copperplate"/>
-                <a:sym typeface="Copperplate"/>
-              </a:defRPr>
-            </a:pPr>
-            <a:r>
-              <a:t>PHASE 3 Tasks</a:t>
-            </a:r>
-            <a:br/>
-          </a:p>
-          <a:p>
-            <a:pPr lvl="2" marL="298382" indent="-298382" defTabSz="566927">
-              <a:lnSpc>
-                <a:spcPct val="90000"/>
-              </a:lnSpc>
-              <a:buSzPct val="100000"/>
-              <a:buChar char="•"/>
-              <a:defRPr cap="all" sz="1700">
-                <a:latin typeface="Copperplate"/>
-                <a:ea typeface="Copperplate"/>
-                <a:cs typeface="Copperplate"/>
-                <a:sym typeface="Copperplate"/>
-              </a:defRPr>
-            </a:pPr>
-            <a:r>
-              <a:t>In phase 3 HyperParameters and feature engineering was done to improve the overall model’s predicability. A collinearity reducer was introduced for feature selection which improved performance dramatically but underperformed in Test AUC. Overall we were able to improve our AUC by .3-.4.</a:t>
-            </a:r>
-          </a:p>
-        </p:txBody>
-      </p:sp>
-      <p:sp>
-        <p:nvSpPr>
-          <p:cNvPr id="228" name="Title 3"/>
-          <p:cNvSpPr txBox="1"/>
-          <p:nvPr/>
-        </p:nvSpPr>
-        <p:spPr>
-          <a:xfrm>
-            <a:off x="41387" y="3923741"/>
-            <a:ext cx="5861326" cy="2862834"/>
-          </a:xfrm>
-          <a:prstGeom prst="rect">
-            <a:avLst/>
-          </a:prstGeom>
-          <a:ln w="12700">
-            <a:miter lim="400000"/>
-          </a:ln>
-          <a:extLst>
-            <a:ext uri="{C572A759-6A51-4108-AA02-DFA0A04FC94B}">
-              <ma14:wrappingTextBoxFlag xmlns:ma14="http://schemas.microsoft.com/office/mac/drawingml/2011/main" val="1"/>
-            </a:ext>
-          </a:extLst>
-        </p:spPr>
-        <p:txBody>
-          <a:bodyPr lIns="45718" tIns="45718" rIns="45718" bIns="45718">
-            <a:normAutofit fontScale="100000" lnSpcReduction="0"/>
-          </a:bodyPr>
-          <a:lstStyle/>
-          <a:p>
-            <a:pPr marL="346509" indent="-346509" defTabSz="658368">
-              <a:lnSpc>
-                <a:spcPct val="90000"/>
-              </a:lnSpc>
-              <a:buSzPct val="100000"/>
-              <a:buChar char="•"/>
-              <a:defRPr cap="all" sz="2000">
-                <a:latin typeface="Copperplate"/>
-                <a:ea typeface="Copperplate"/>
-                <a:cs typeface="Copperplate"/>
-                <a:sym typeface="Copperplate"/>
-              </a:defRPr>
-            </a:pPr>
-            <a:r>
-              <a:t>NEXT PHASE tasks</a:t>
-            </a:r>
-            <a:br/>
-          </a:p>
-          <a:p>
-            <a:pPr lvl="2" marL="346509" indent="-346509" defTabSz="658368">
-              <a:lnSpc>
-                <a:spcPct val="90000"/>
-              </a:lnSpc>
-              <a:buSzPct val="100000"/>
-              <a:buChar char="•"/>
-              <a:defRPr cap="all" sz="2000">
-                <a:latin typeface="Copperplate"/>
-                <a:ea typeface="Copperplate"/>
-                <a:cs typeface="Copperplate"/>
-                <a:sym typeface="Copperplate"/>
-              </a:defRPr>
-            </a:pPr>
-            <a:r>
-              <a:t>The Plan for the next phase will be to build a multiLayer perceptron to build a model along with any more feature Engineering. </a:t>
             </a:r>
           </a:p>
         </p:txBody>
